--- a/2-2 Make Echo Bot.pptx
+++ b/2-2 Make Echo Bot.pptx
@@ -5721,7 +5721,7 @@
           <a:p>
             <a:fld id="{82604E9E-60DE-417E-849E-2CDE7F357628}" type="datetimeFigureOut">
               <a:rPr lang="en-US" smtClean="0"/>
-              <a:t>7/28/2017</a:t>
+              <a:t>8/1/2017</a:t>
             </a:fld>
             <a:endParaRPr lang="en-US"/>
           </a:p>
@@ -7146,7 +7146,7 @@
           <a:p>
             <a:fld id="{0D913C1F-5111-45C8-8646-4E60C4FCFD33}" type="datetime1">
               <a:rPr lang="en-US" smtClean="0"/>
-              <a:t>7/28/2017</a:t>
+              <a:t>8/1/2017</a:t>
             </a:fld>
             <a:endParaRPr lang="en-US"/>
           </a:p>
@@ -7321,7 +7321,7 @@
           <a:p>
             <a:fld id="{D3A57730-C926-45F0-9361-C8E6CC7EFAB1}" type="datetime1">
               <a:rPr lang="en-US" smtClean="0"/>
-              <a:t>7/28/2017</a:t>
+              <a:t>8/1/2017</a:t>
             </a:fld>
             <a:endParaRPr lang="en-US"/>
           </a:p>
@@ -7501,7 +7501,7 @@
           <a:p>
             <a:fld id="{72F94769-6EA4-484E-8E33-A5D2CCD7F3B4}" type="datetime1">
               <a:rPr lang="en-US" smtClean="0"/>
-              <a:t>7/28/2017</a:t>
+              <a:t>8/1/2017</a:t>
             </a:fld>
             <a:endParaRPr lang="en-US"/>
           </a:p>
@@ -7671,7 +7671,7 @@
           <a:p>
             <a:fld id="{875CDD8C-CF5A-4DB3-98F8-3A2639B39FE9}" type="datetime1">
               <a:rPr lang="en-US" smtClean="0"/>
-              <a:t>7/28/2017</a:t>
+              <a:t>8/1/2017</a:t>
             </a:fld>
             <a:endParaRPr lang="en-US"/>
           </a:p>
@@ -7939,7 +7939,7 @@
           <a:p>
             <a:fld id="{73567B6B-69B5-4721-8DDE-4EEC9B6DCE0D}" type="datetime1">
               <a:rPr lang="en-US" smtClean="0"/>
-              <a:t>7/28/2017</a:t>
+              <a:t>8/1/2017</a:t>
             </a:fld>
             <a:endParaRPr lang="en-US"/>
           </a:p>
@@ -8171,7 +8171,7 @@
           <a:p>
             <a:fld id="{98DD2B97-22CE-4922-9B75-1DD88489AFD6}" type="datetime1">
               <a:rPr lang="en-US" smtClean="0"/>
-              <a:t>7/28/2017</a:t>
+              <a:t>8/1/2017</a:t>
             </a:fld>
             <a:endParaRPr lang="en-US"/>
           </a:p>
@@ -8530,7 +8530,7 @@
           <a:p>
             <a:fld id="{71335CB9-B160-4C99-9B3C-64E62B2B8AA1}" type="datetime1">
               <a:rPr lang="en-US" smtClean="0"/>
-              <a:t>7/28/2017</a:t>
+              <a:t>8/1/2017</a:t>
             </a:fld>
             <a:endParaRPr lang="en-US"/>
           </a:p>
@@ -8671,7 +8671,7 @@
           <a:p>
             <a:fld id="{AB5FD2A9-980D-4792-8107-6837CF22CACC}" type="datetime1">
               <a:rPr lang="en-US" smtClean="0"/>
-              <a:t>7/28/2017</a:t>
+              <a:t>8/1/2017</a:t>
             </a:fld>
             <a:endParaRPr lang="en-US"/>
           </a:p>
@@ -8766,7 +8766,7 @@
           <a:p>
             <a:fld id="{AE49ADA3-5F6C-44F2-923F-B96DDB41268F}" type="datetime1">
               <a:rPr lang="en-US" smtClean="0"/>
-              <a:t>7/28/2017</a:t>
+              <a:t>8/1/2017</a:t>
             </a:fld>
             <a:endParaRPr lang="en-US"/>
           </a:p>
@@ -9123,7 +9123,7 @@
           <a:p>
             <a:fld id="{CD641920-CFA1-454E-AD47-3EEEB5605BD0}" type="datetime1">
               <a:rPr lang="en-US" smtClean="0"/>
-              <a:t>7/28/2017</a:t>
+              <a:t>8/1/2017</a:t>
             </a:fld>
             <a:endParaRPr lang="en-US"/>
           </a:p>
@@ -9480,7 +9480,7 @@
           <a:p>
             <a:fld id="{F3A5C466-8A77-4A43-A9E6-B875AC354BDD}" type="datetime1">
               <a:rPr lang="en-US" smtClean="0"/>
-              <a:t>7/28/2017</a:t>
+              <a:t>8/1/2017</a:t>
             </a:fld>
             <a:endParaRPr lang="en-US"/>
           </a:p>
@@ -9721,7 +9721,7 @@
           <a:p>
             <a:fld id="{8C1F079E-EE37-4F70-8A6F-71D0624FBE44}" type="datetime1">
               <a:rPr lang="en-US" smtClean="0"/>
-              <a:t>7/28/2017</a:t>
+              <a:t>8/1/2017</a:t>
             </a:fld>
             <a:endParaRPr lang="en-US"/>
           </a:p>
@@ -10206,11 +10206,15 @@
               <a:t>ChatBot</a:t>
             </a:r>
             <a:br>
+              <a:rPr lang="en-US"/>
+            </a:br>
+            <a:r>
+              <a:rPr lang="en-US"/>
+              <a:t>2-2 </a:t>
+            </a:r>
+            <a:r>
               <a:rPr lang="en-US" dirty="0"/>
-            </a:br>
-            <a:r>
-              <a:rPr lang="en-US" dirty="0"/>
-              <a:t>1-3 Make Echo Bot</a:t>
+              <a:t>Make Echo Bot</a:t>
             </a:r>
           </a:p>
         </p:txBody>

--- a/2-2 Make Echo Bot.pptx
+++ b/2-2 Make Echo Bot.pptx
@@ -5,7 +5,7 @@
     <p:sldMasterId id="2147483660" r:id="rId1"/>
   </p:sldMasterIdLst>
   <p:notesMasterIdLst>
-    <p:notesMasterId r:id="rId17"/>
+    <p:notesMasterId r:id="rId18"/>
   </p:notesMasterIdLst>
   <p:sldIdLst>
     <p:sldId id="256" r:id="rId2"/>
@@ -16,13 +16,14 @@
     <p:sldId id="267" r:id="rId7"/>
     <p:sldId id="264" r:id="rId8"/>
     <p:sldId id="266" r:id="rId9"/>
-    <p:sldId id="268" r:id="rId10"/>
-    <p:sldId id="265" r:id="rId11"/>
-    <p:sldId id="260" r:id="rId12"/>
-    <p:sldId id="271" r:id="rId13"/>
-    <p:sldId id="272" r:id="rId14"/>
-    <p:sldId id="269" r:id="rId15"/>
-    <p:sldId id="270" r:id="rId16"/>
+    <p:sldId id="273" r:id="rId10"/>
+    <p:sldId id="268" r:id="rId11"/>
+    <p:sldId id="265" r:id="rId12"/>
+    <p:sldId id="260" r:id="rId13"/>
+    <p:sldId id="271" r:id="rId14"/>
+    <p:sldId id="272" r:id="rId15"/>
+    <p:sldId id="269" r:id="rId16"/>
+    <p:sldId id="270" r:id="rId17"/>
   </p:sldIdLst>
   <p:sldSz cx="12192000" cy="6858000"/>
   <p:notesSz cx="6858000" cy="9144000"/>
@@ -5721,7 +5722,7 @@
           <a:p>
             <a:fld id="{82604E9E-60DE-417E-849E-2CDE7F357628}" type="datetimeFigureOut">
               <a:rPr lang="en-US" smtClean="0"/>
-              <a:t>8/1/2017</a:t>
+              <a:t>8/2/2017</a:t>
             </a:fld>
             <a:endParaRPr lang="en-US"/>
           </a:p>
@@ -6178,7 +6179,7 @@
           <a:p>
             <a:fld id="{772745C2-B5F1-4B10-8C0E-DEBCE2EB7236}" type="slidenum">
               <a:rPr lang="en-US" smtClean="0"/>
-              <a:t>15</a:t>
+              <a:t>16</a:t>
             </a:fld>
             <a:endParaRPr lang="en-US"/>
           </a:p>
@@ -6649,7 +6650,7 @@
           <a:p>
             <a:fld id="{772745C2-B5F1-4B10-8C0E-DEBCE2EB7236}" type="slidenum">
               <a:rPr lang="en-US" smtClean="0"/>
-              <a:t>10</a:t>
+              <a:t>11</a:t>
             </a:fld>
             <a:endParaRPr lang="en-US"/>
           </a:p>
@@ -6736,7 +6737,7 @@
           <a:p>
             <a:fld id="{772745C2-B5F1-4B10-8C0E-DEBCE2EB7236}" type="slidenum">
               <a:rPr lang="en-US" smtClean="0"/>
-              <a:t>12</a:t>
+              <a:t>13</a:t>
             </a:fld>
             <a:endParaRPr lang="en-US"/>
           </a:p>
@@ -6877,7 +6878,7 @@
           <a:p>
             <a:fld id="{772745C2-B5F1-4B10-8C0E-DEBCE2EB7236}" type="slidenum">
               <a:rPr lang="en-US" smtClean="0"/>
-              <a:t>13</a:t>
+              <a:t>14</a:t>
             </a:fld>
             <a:endParaRPr lang="en-US"/>
           </a:p>
@@ -6964,7 +6965,7 @@
           <a:p>
             <a:fld id="{772745C2-B5F1-4B10-8C0E-DEBCE2EB7236}" type="slidenum">
               <a:rPr lang="en-US" smtClean="0"/>
-              <a:t>14</a:t>
+              <a:t>15</a:t>
             </a:fld>
             <a:endParaRPr lang="en-US"/>
           </a:p>
@@ -7146,7 +7147,7 @@
           <a:p>
             <a:fld id="{0D913C1F-5111-45C8-8646-4E60C4FCFD33}" type="datetime1">
               <a:rPr lang="en-US" smtClean="0"/>
-              <a:t>8/1/2017</a:t>
+              <a:t>8/2/2017</a:t>
             </a:fld>
             <a:endParaRPr lang="en-US"/>
           </a:p>
@@ -7321,7 +7322,7 @@
           <a:p>
             <a:fld id="{D3A57730-C926-45F0-9361-C8E6CC7EFAB1}" type="datetime1">
               <a:rPr lang="en-US" smtClean="0"/>
-              <a:t>8/1/2017</a:t>
+              <a:t>8/2/2017</a:t>
             </a:fld>
             <a:endParaRPr lang="en-US"/>
           </a:p>
@@ -7501,7 +7502,7 @@
           <a:p>
             <a:fld id="{72F94769-6EA4-484E-8E33-A5D2CCD7F3B4}" type="datetime1">
               <a:rPr lang="en-US" smtClean="0"/>
-              <a:t>8/1/2017</a:t>
+              <a:t>8/2/2017</a:t>
             </a:fld>
             <a:endParaRPr lang="en-US"/>
           </a:p>
@@ -7671,7 +7672,7 @@
           <a:p>
             <a:fld id="{875CDD8C-CF5A-4DB3-98F8-3A2639B39FE9}" type="datetime1">
               <a:rPr lang="en-US" smtClean="0"/>
-              <a:t>8/1/2017</a:t>
+              <a:t>8/2/2017</a:t>
             </a:fld>
             <a:endParaRPr lang="en-US"/>
           </a:p>
@@ -7939,7 +7940,7 @@
           <a:p>
             <a:fld id="{73567B6B-69B5-4721-8DDE-4EEC9B6DCE0D}" type="datetime1">
               <a:rPr lang="en-US" smtClean="0"/>
-              <a:t>8/1/2017</a:t>
+              <a:t>8/2/2017</a:t>
             </a:fld>
             <a:endParaRPr lang="en-US"/>
           </a:p>
@@ -8171,7 +8172,7 @@
           <a:p>
             <a:fld id="{98DD2B97-22CE-4922-9B75-1DD88489AFD6}" type="datetime1">
               <a:rPr lang="en-US" smtClean="0"/>
-              <a:t>8/1/2017</a:t>
+              <a:t>8/2/2017</a:t>
             </a:fld>
             <a:endParaRPr lang="en-US"/>
           </a:p>
@@ -8530,7 +8531,7 @@
           <a:p>
             <a:fld id="{71335CB9-B160-4C99-9B3C-64E62B2B8AA1}" type="datetime1">
               <a:rPr lang="en-US" smtClean="0"/>
-              <a:t>8/1/2017</a:t>
+              <a:t>8/2/2017</a:t>
             </a:fld>
             <a:endParaRPr lang="en-US"/>
           </a:p>
@@ -8671,7 +8672,7 @@
           <a:p>
             <a:fld id="{AB5FD2A9-980D-4792-8107-6837CF22CACC}" type="datetime1">
               <a:rPr lang="en-US" smtClean="0"/>
-              <a:t>8/1/2017</a:t>
+              <a:t>8/2/2017</a:t>
             </a:fld>
             <a:endParaRPr lang="en-US"/>
           </a:p>
@@ -8766,7 +8767,7 @@
           <a:p>
             <a:fld id="{AE49ADA3-5F6C-44F2-923F-B96DDB41268F}" type="datetime1">
               <a:rPr lang="en-US" smtClean="0"/>
-              <a:t>8/1/2017</a:t>
+              <a:t>8/2/2017</a:t>
             </a:fld>
             <a:endParaRPr lang="en-US"/>
           </a:p>
@@ -9123,7 +9124,7 @@
           <a:p>
             <a:fld id="{CD641920-CFA1-454E-AD47-3EEEB5605BD0}" type="datetime1">
               <a:rPr lang="en-US" smtClean="0"/>
-              <a:t>8/1/2017</a:t>
+              <a:t>8/2/2017</a:t>
             </a:fld>
             <a:endParaRPr lang="en-US"/>
           </a:p>
@@ -9480,7 +9481,7 @@
           <a:p>
             <a:fld id="{F3A5C466-8A77-4A43-A9E6-B875AC354BDD}" type="datetime1">
               <a:rPr lang="en-US" smtClean="0"/>
-              <a:t>8/1/2017</a:t>
+              <a:t>8/2/2017</a:t>
             </a:fld>
             <a:endParaRPr lang="en-US"/>
           </a:p>
@@ -9721,7 +9722,7 @@
           <a:p>
             <a:fld id="{8C1F079E-EE37-4F70-8A6F-71D0624FBE44}" type="datetime1">
               <a:rPr lang="en-US" smtClean="0"/>
-              <a:t>8/1/2017</a:t>
+              <a:t>8/2/2017</a:t>
             </a:fld>
             <a:endParaRPr lang="en-US"/>
           </a:p>
@@ -10302,6 +10303,999 @@
 <file path=ppt/slides/slide10.xml><?xml version="1.0" encoding="utf-8"?>
 <p:sld xmlns:a="http://schemas.openxmlformats.org/drawingml/2006/main" xmlns:r="http://schemas.openxmlformats.org/officeDocument/2006/relationships" xmlns:p="http://schemas.openxmlformats.org/presentationml/2006/main">
   <p:cSld>
+    <p:spTree>
+      <p:nvGrpSpPr>
+        <p:cNvPr id="1" name=""/>
+        <p:cNvGrpSpPr/>
+        <p:nvPr/>
+      </p:nvGrpSpPr>
+      <p:grpSpPr>
+        <a:xfrm>
+          <a:off x="0" y="0"/>
+          <a:ext cx="0" cy="0"/>
+          <a:chOff x="0" y="0"/>
+          <a:chExt cx="0" cy="0"/>
+        </a:xfrm>
+      </p:grpSpPr>
+      <p:sp>
+        <p:nvSpPr>
+          <p:cNvPr id="2" name="제목 1">
+            <a:extLst>
+              <a:ext uri="{FF2B5EF4-FFF2-40B4-BE49-F238E27FC236}">
+                <a16:creationId xmlns:a16="http://schemas.microsoft.com/office/drawing/2014/main" id="{1A57E564-09E0-4238-A9E8-39CB26229891}"/>
+              </a:ext>
+            </a:extLst>
+          </p:cNvPr>
+          <p:cNvSpPr>
+            <a:spLocks noGrp="1"/>
+          </p:cNvSpPr>
+          <p:nvPr>
+            <p:ph type="title"/>
+          </p:nvPr>
+        </p:nvSpPr>
+        <p:spPr>
+          <a:xfrm>
+            <a:off x="3756536" y="964692"/>
+            <a:ext cx="4678928" cy="1188720"/>
+          </a:xfrm>
+        </p:spPr>
+        <p:txBody>
+          <a:bodyPr/>
+          <a:lstStyle/>
+          <a:p>
+            <a:r>
+              <a:rPr lang="en-US" dirty="0"/>
+              <a:t>Server is Ready</a:t>
+            </a:r>
+          </a:p>
+        </p:txBody>
+      </p:sp>
+      <p:sp>
+        <p:nvSpPr>
+          <p:cNvPr id="38" name="슬라이드 번호 개체 틀 37">
+            <a:extLst>
+              <a:ext uri="{FF2B5EF4-FFF2-40B4-BE49-F238E27FC236}">
+                <a16:creationId xmlns:a16="http://schemas.microsoft.com/office/drawing/2014/main" id="{EA584632-DDD4-4959-90F3-25989E8DA709}"/>
+              </a:ext>
+            </a:extLst>
+          </p:cNvPr>
+          <p:cNvSpPr>
+            <a:spLocks noGrp="1"/>
+          </p:cNvSpPr>
+          <p:nvPr>
+            <p:ph type="sldNum" sz="quarter" idx="12"/>
+          </p:nvPr>
+        </p:nvSpPr>
+        <p:spPr/>
+        <p:txBody>
+          <a:bodyPr/>
+          <a:lstStyle/>
+          <a:p>
+            <a:fld id="{8B9A499C-E7AC-4E74-9635-A20519089A3A}" type="slidenum">
+              <a:rPr lang="en-US" smtClean="0"/>
+              <a:t>10</a:t>
+            </a:fld>
+            <a:endParaRPr lang="en-US"/>
+          </a:p>
+        </p:txBody>
+      </p:sp>
+      <p:grpSp>
+        <p:nvGrpSpPr>
+          <p:cNvPr id="3" name="그룹 2">
+            <a:extLst>
+              <a:ext uri="{FF2B5EF4-FFF2-40B4-BE49-F238E27FC236}">
+                <a16:creationId xmlns:a16="http://schemas.microsoft.com/office/drawing/2014/main" id="{9AB9C544-374A-4A21-B784-B2BBC9F628DB}"/>
+              </a:ext>
+            </a:extLst>
+          </p:cNvPr>
+          <p:cNvGrpSpPr/>
+          <p:nvPr/>
+        </p:nvGrpSpPr>
+        <p:grpSpPr>
+          <a:xfrm>
+            <a:off x="997944" y="2465842"/>
+            <a:ext cx="10217634" cy="4300718"/>
+            <a:chOff x="997944" y="2465842"/>
+            <a:chExt cx="10217634" cy="4300718"/>
+          </a:xfrm>
+        </p:grpSpPr>
+        <p:sp>
+          <p:nvSpPr>
+            <p:cNvPr id="20" name="TextBox 19">
+              <a:extLst>
+                <a:ext uri="{FF2B5EF4-FFF2-40B4-BE49-F238E27FC236}">
+                  <a16:creationId xmlns:a16="http://schemas.microsoft.com/office/drawing/2014/main" id="{F7C69F09-0542-4585-8F31-953E5D743F0A}"/>
+                </a:ext>
+              </a:extLst>
+            </p:cNvPr>
+            <p:cNvSpPr txBox="1"/>
+            <p:nvPr/>
+          </p:nvSpPr>
+          <p:spPr>
+            <a:xfrm>
+              <a:off x="9571733" y="3988174"/>
+              <a:ext cx="1622322" cy="858548"/>
+            </a:xfrm>
+            <a:prstGeom prst="roundRect">
+              <a:avLst/>
+            </a:prstGeom>
+            <a:solidFill>
+              <a:srgbClr val="00B0F0"/>
+            </a:solidFill>
+          </p:spPr>
+          <p:txBody>
+            <a:bodyPr wrap="square" rtlCol="0" anchor="ctr" anchorCtr="0">
+              <a:noAutofit/>
+            </a:bodyPr>
+            <a:lstStyle/>
+            <a:p>
+              <a:pPr algn="ctr"/>
+              <a:r>
+                <a:rPr lang="en-US" sz="3000" dirty="0"/>
+                <a:t>User</a:t>
+              </a:r>
+            </a:p>
+          </p:txBody>
+        </p:sp>
+        <p:sp>
+          <p:nvSpPr>
+            <p:cNvPr id="21" name="TextBox 20">
+              <a:extLst>
+                <a:ext uri="{FF2B5EF4-FFF2-40B4-BE49-F238E27FC236}">
+                  <a16:creationId xmlns:a16="http://schemas.microsoft.com/office/drawing/2014/main" id="{513A82AE-6F04-4EAB-BF2C-8FF6276830BA}"/>
+                </a:ext>
+              </a:extLst>
+            </p:cNvPr>
+            <p:cNvSpPr txBox="1"/>
+            <p:nvPr/>
+          </p:nvSpPr>
+          <p:spPr>
+            <a:xfrm>
+              <a:off x="3790587" y="3988174"/>
+              <a:ext cx="1622322" cy="858548"/>
+            </a:xfrm>
+            <a:prstGeom prst="roundRect">
+              <a:avLst/>
+            </a:prstGeom>
+            <a:solidFill>
+              <a:srgbClr val="00B0F0"/>
+            </a:solidFill>
+          </p:spPr>
+          <p:txBody>
+            <a:bodyPr wrap="square" rtlCol="0" anchor="ctr" anchorCtr="0">
+              <a:noAutofit/>
+            </a:bodyPr>
+            <a:lstStyle/>
+            <a:p>
+              <a:pPr algn="ctr"/>
+              <a:r>
+                <a:rPr lang="en-US" sz="3000" dirty="0"/>
+                <a:t>Heroku</a:t>
+              </a:r>
+            </a:p>
+          </p:txBody>
+        </p:sp>
+        <p:sp>
+          <p:nvSpPr>
+            <p:cNvPr id="22" name="TextBox 21">
+              <a:extLst>
+                <a:ext uri="{FF2B5EF4-FFF2-40B4-BE49-F238E27FC236}">
+                  <a16:creationId xmlns:a16="http://schemas.microsoft.com/office/drawing/2014/main" id="{EB92E901-210D-4AC0-A45B-491CF1DD3F6F}"/>
+                </a:ext>
+              </a:extLst>
+            </p:cNvPr>
+            <p:cNvSpPr txBox="1"/>
+            <p:nvPr/>
+          </p:nvSpPr>
+          <p:spPr>
+            <a:xfrm>
+              <a:off x="997944" y="3988174"/>
+              <a:ext cx="1622322" cy="858548"/>
+            </a:xfrm>
+            <a:prstGeom prst="roundRect">
+              <a:avLst/>
+            </a:prstGeom>
+            <a:solidFill>
+              <a:srgbClr val="00B0F0"/>
+            </a:solidFill>
+          </p:spPr>
+          <p:txBody>
+            <a:bodyPr wrap="square" rtlCol="0" anchor="ctr" anchorCtr="0">
+              <a:noAutofit/>
+            </a:bodyPr>
+            <a:lstStyle/>
+            <a:p>
+              <a:pPr algn="ctr"/>
+              <a:r>
+                <a:rPr lang="en-US" sz="3000" dirty="0"/>
+                <a:t>Local</a:t>
+              </a:r>
+            </a:p>
+          </p:txBody>
+        </p:sp>
+        <p:sp>
+          <p:nvSpPr>
+            <p:cNvPr id="23" name="TextBox 22">
+              <a:extLst>
+                <a:ext uri="{FF2B5EF4-FFF2-40B4-BE49-F238E27FC236}">
+                  <a16:creationId xmlns:a16="http://schemas.microsoft.com/office/drawing/2014/main" id="{103F5FC2-5C3B-40AF-BD2D-BACCCEDB04D1}"/>
+                </a:ext>
+              </a:extLst>
+            </p:cNvPr>
+            <p:cNvSpPr txBox="1"/>
+            <p:nvPr/>
+          </p:nvSpPr>
+          <p:spPr>
+            <a:xfrm>
+              <a:off x="6681160" y="5522550"/>
+              <a:ext cx="1622322" cy="858548"/>
+            </a:xfrm>
+            <a:prstGeom prst="roundRect">
+              <a:avLst/>
+            </a:prstGeom>
+            <a:solidFill>
+              <a:srgbClr val="F6A21D"/>
+            </a:solidFill>
+          </p:spPr>
+          <p:txBody>
+            <a:bodyPr wrap="square" rtlCol="0" anchor="ctr" anchorCtr="0">
+              <a:noAutofit/>
+            </a:bodyPr>
+            <a:lstStyle/>
+            <a:p>
+              <a:pPr algn="ctr"/>
+              <a:r>
+                <a:rPr lang="en-US" sz="3000" dirty="0"/>
+                <a:t>Twilio</a:t>
+              </a:r>
+            </a:p>
+          </p:txBody>
+        </p:sp>
+        <p:sp>
+          <p:nvSpPr>
+            <p:cNvPr id="24" name="TextBox 23">
+              <a:extLst>
+                <a:ext uri="{FF2B5EF4-FFF2-40B4-BE49-F238E27FC236}">
+                  <a16:creationId xmlns:a16="http://schemas.microsoft.com/office/drawing/2014/main" id="{01025365-48DA-47E9-9BDD-2E99702B228B}"/>
+                </a:ext>
+              </a:extLst>
+            </p:cNvPr>
+            <p:cNvSpPr txBox="1"/>
+            <p:nvPr/>
+          </p:nvSpPr>
+          <p:spPr>
+            <a:xfrm>
+              <a:off x="6583230" y="2465842"/>
+              <a:ext cx="1818182" cy="858548"/>
+            </a:xfrm>
+            <a:prstGeom prst="roundRect">
+              <a:avLst/>
+            </a:prstGeom>
+            <a:solidFill>
+              <a:srgbClr val="00B0F0"/>
+            </a:solidFill>
+          </p:spPr>
+          <p:txBody>
+            <a:bodyPr wrap="square" rtlCol="0" anchor="ctr" anchorCtr="0">
+              <a:noAutofit/>
+            </a:bodyPr>
+            <a:lstStyle/>
+            <a:p>
+              <a:pPr algn="ctr"/>
+              <a:r>
+                <a:rPr lang="en-US" sz="3000" dirty="0"/>
+                <a:t>Facebook</a:t>
+              </a:r>
+            </a:p>
+          </p:txBody>
+        </p:sp>
+        <p:sp>
+          <p:nvSpPr>
+            <p:cNvPr id="25" name="TextBox 24">
+              <a:extLst>
+                <a:ext uri="{FF2B5EF4-FFF2-40B4-BE49-F238E27FC236}">
+                  <a16:creationId xmlns:a16="http://schemas.microsoft.com/office/drawing/2014/main" id="{9D96CB2F-D05C-4954-8F31-1D5A67A97B56}"/>
+                </a:ext>
+              </a:extLst>
+            </p:cNvPr>
+            <p:cNvSpPr txBox="1"/>
+            <p:nvPr/>
+          </p:nvSpPr>
+          <p:spPr>
+            <a:xfrm>
+              <a:off x="6681160" y="3988174"/>
+              <a:ext cx="1622322" cy="858548"/>
+            </a:xfrm>
+            <a:prstGeom prst="roundRect">
+              <a:avLst/>
+            </a:prstGeom>
+            <a:solidFill>
+              <a:srgbClr val="F6A21D"/>
+            </a:solidFill>
+          </p:spPr>
+          <p:txBody>
+            <a:bodyPr wrap="square" rtlCol="0" anchor="ctr" anchorCtr="0">
+              <a:noAutofit/>
+            </a:bodyPr>
+            <a:lstStyle/>
+            <a:p>
+              <a:pPr algn="ctr"/>
+              <a:r>
+                <a:rPr lang="en-US" sz="3000" dirty="0" err="1"/>
+                <a:t>Sendgrid</a:t>
+              </a:r>
+              <a:endParaRPr lang="en-US" sz="3000" dirty="0"/>
+            </a:p>
+          </p:txBody>
+        </p:sp>
+        <p:sp>
+          <p:nvSpPr>
+            <p:cNvPr id="26" name="화살표: 왼쪽/오른쪽 25">
+              <a:extLst>
+                <a:ext uri="{FF2B5EF4-FFF2-40B4-BE49-F238E27FC236}">
+                  <a16:creationId xmlns:a16="http://schemas.microsoft.com/office/drawing/2014/main" id="{910625D0-FA3C-4D9A-A600-5988EBB00882}"/>
+                </a:ext>
+              </a:extLst>
+            </p:cNvPr>
+            <p:cNvSpPr/>
+            <p:nvPr/>
+          </p:nvSpPr>
+          <p:spPr>
+            <a:xfrm>
+              <a:off x="2862505" y="4195459"/>
+              <a:ext cx="783772" cy="443977"/>
+            </a:xfrm>
+            <a:prstGeom prst="leftRightArrow">
+              <a:avLst/>
+            </a:prstGeom>
+            <a:solidFill>
+              <a:srgbClr val="ABE9FF"/>
+            </a:solidFill>
+            <a:ln>
+              <a:solidFill>
+                <a:srgbClr val="00B0F0"/>
+              </a:solidFill>
+            </a:ln>
+          </p:spPr>
+          <p:style>
+            <a:lnRef idx="2">
+              <a:schemeClr val="accent1">
+                <a:shade val="50000"/>
+              </a:schemeClr>
+            </a:lnRef>
+            <a:fillRef idx="1">
+              <a:schemeClr val="accent1"/>
+            </a:fillRef>
+            <a:effectRef idx="0">
+              <a:schemeClr val="accent1"/>
+            </a:effectRef>
+            <a:fontRef idx="minor">
+              <a:schemeClr val="lt1"/>
+            </a:fontRef>
+          </p:style>
+          <p:txBody>
+            <a:bodyPr rtlCol="0" anchor="ctr"/>
+            <a:lstStyle/>
+            <a:p>
+              <a:pPr algn="ctr"/>
+              <a:endParaRPr lang="en-US"/>
+            </a:p>
+          </p:txBody>
+        </p:sp>
+        <p:sp>
+          <p:nvSpPr>
+            <p:cNvPr id="27" name="화살표: 왼쪽/오른쪽 26">
+              <a:extLst>
+                <a:ext uri="{FF2B5EF4-FFF2-40B4-BE49-F238E27FC236}">
+                  <a16:creationId xmlns:a16="http://schemas.microsoft.com/office/drawing/2014/main" id="{A3CF292D-CFB8-4769-B018-15C26843766E}"/>
+                </a:ext>
+              </a:extLst>
+            </p:cNvPr>
+            <p:cNvSpPr/>
+            <p:nvPr/>
+          </p:nvSpPr>
+          <p:spPr>
+            <a:xfrm>
+              <a:off x="5655148" y="4195458"/>
+              <a:ext cx="783772" cy="443977"/>
+            </a:xfrm>
+            <a:prstGeom prst="leftRightArrow">
+              <a:avLst/>
+            </a:prstGeom>
+            <a:solidFill>
+              <a:schemeClr val="accent1">
+                <a:lumMod val="20000"/>
+                <a:lumOff val="80000"/>
+              </a:schemeClr>
+            </a:solidFill>
+          </p:spPr>
+          <p:style>
+            <a:lnRef idx="2">
+              <a:schemeClr val="accent1">
+                <a:shade val="50000"/>
+              </a:schemeClr>
+            </a:lnRef>
+            <a:fillRef idx="1">
+              <a:schemeClr val="accent1"/>
+            </a:fillRef>
+            <a:effectRef idx="0">
+              <a:schemeClr val="accent1"/>
+            </a:effectRef>
+            <a:fontRef idx="minor">
+              <a:schemeClr val="lt1"/>
+            </a:fontRef>
+          </p:style>
+          <p:txBody>
+            <a:bodyPr rtlCol="0" anchor="ctr"/>
+            <a:lstStyle/>
+            <a:p>
+              <a:pPr algn="ctr"/>
+              <a:endParaRPr lang="en-US"/>
+            </a:p>
+          </p:txBody>
+        </p:sp>
+        <p:sp>
+          <p:nvSpPr>
+            <p:cNvPr id="28" name="화살표: 왼쪽/오른쪽 27">
+              <a:extLst>
+                <a:ext uri="{FF2B5EF4-FFF2-40B4-BE49-F238E27FC236}">
+                  <a16:creationId xmlns:a16="http://schemas.microsoft.com/office/drawing/2014/main" id="{37E87DEE-5AC1-42A6-AFBE-438D255DAC40}"/>
+                </a:ext>
+              </a:extLst>
+            </p:cNvPr>
+            <p:cNvSpPr/>
+            <p:nvPr/>
+          </p:nvSpPr>
+          <p:spPr>
+            <a:xfrm>
+              <a:off x="8545721" y="4195457"/>
+              <a:ext cx="783772" cy="443977"/>
+            </a:xfrm>
+            <a:prstGeom prst="leftRightArrow">
+              <a:avLst/>
+            </a:prstGeom>
+            <a:solidFill>
+              <a:schemeClr val="accent1">
+                <a:lumMod val="20000"/>
+                <a:lumOff val="80000"/>
+              </a:schemeClr>
+            </a:solidFill>
+          </p:spPr>
+          <p:style>
+            <a:lnRef idx="2">
+              <a:schemeClr val="accent1">
+                <a:shade val="50000"/>
+              </a:schemeClr>
+            </a:lnRef>
+            <a:fillRef idx="1">
+              <a:schemeClr val="accent1"/>
+            </a:fillRef>
+            <a:effectRef idx="0">
+              <a:schemeClr val="accent1"/>
+            </a:effectRef>
+            <a:fontRef idx="minor">
+              <a:schemeClr val="lt1"/>
+            </a:fontRef>
+          </p:style>
+          <p:txBody>
+            <a:bodyPr rtlCol="0" anchor="ctr"/>
+            <a:lstStyle/>
+            <a:p>
+              <a:pPr algn="ctr"/>
+              <a:endParaRPr lang="en-US"/>
+            </a:p>
+          </p:txBody>
+        </p:sp>
+        <p:sp>
+          <p:nvSpPr>
+            <p:cNvPr id="31" name="화살표: 위쪽/아래쪽 30">
+              <a:extLst>
+                <a:ext uri="{FF2B5EF4-FFF2-40B4-BE49-F238E27FC236}">
+                  <a16:creationId xmlns:a16="http://schemas.microsoft.com/office/drawing/2014/main" id="{90E09D61-6895-46BC-8FAE-754525A0BCB8}"/>
+                </a:ext>
+              </a:extLst>
+            </p:cNvPr>
+            <p:cNvSpPr/>
+            <p:nvPr/>
+          </p:nvSpPr>
+          <p:spPr>
+            <a:xfrm rot="18366477">
+              <a:off x="5834148" y="4935144"/>
+              <a:ext cx="431075" cy="1060266"/>
+            </a:xfrm>
+            <a:prstGeom prst="upDownArrow">
+              <a:avLst/>
+            </a:prstGeom>
+            <a:solidFill>
+              <a:schemeClr val="accent1">
+                <a:lumMod val="20000"/>
+                <a:lumOff val="80000"/>
+              </a:schemeClr>
+            </a:solidFill>
+          </p:spPr>
+          <p:style>
+            <a:lnRef idx="2">
+              <a:schemeClr val="accent1">
+                <a:shade val="50000"/>
+              </a:schemeClr>
+            </a:lnRef>
+            <a:fillRef idx="1">
+              <a:schemeClr val="accent1"/>
+            </a:fillRef>
+            <a:effectRef idx="0">
+              <a:schemeClr val="accent1"/>
+            </a:effectRef>
+            <a:fontRef idx="minor">
+              <a:schemeClr val="lt1"/>
+            </a:fontRef>
+          </p:style>
+          <p:txBody>
+            <a:bodyPr rtlCol="0" anchor="ctr"/>
+            <a:lstStyle/>
+            <a:p>
+              <a:pPr algn="ctr"/>
+              <a:endParaRPr lang="en-US"/>
+            </a:p>
+          </p:txBody>
+        </p:sp>
+        <p:sp>
+          <p:nvSpPr>
+            <p:cNvPr id="33" name="화살표: 위쪽/아래쪽 32">
+              <a:extLst>
+                <a:ext uri="{FF2B5EF4-FFF2-40B4-BE49-F238E27FC236}">
+                  <a16:creationId xmlns:a16="http://schemas.microsoft.com/office/drawing/2014/main" id="{5E8E595B-B6C5-4DF1-9C4D-C23D2DADE200}"/>
+                </a:ext>
+              </a:extLst>
+            </p:cNvPr>
+            <p:cNvSpPr/>
+            <p:nvPr/>
+          </p:nvSpPr>
+          <p:spPr>
+            <a:xfrm rot="13606241">
+              <a:off x="5812721" y="2838154"/>
+              <a:ext cx="431075" cy="1060266"/>
+            </a:xfrm>
+            <a:prstGeom prst="upDownArrow">
+              <a:avLst/>
+            </a:prstGeom>
+            <a:solidFill>
+              <a:schemeClr val="accent1">
+                <a:lumMod val="20000"/>
+                <a:lumOff val="80000"/>
+              </a:schemeClr>
+            </a:solidFill>
+          </p:spPr>
+          <p:style>
+            <a:lnRef idx="2">
+              <a:schemeClr val="accent1">
+                <a:shade val="50000"/>
+              </a:schemeClr>
+            </a:lnRef>
+            <a:fillRef idx="1">
+              <a:schemeClr val="accent1"/>
+            </a:fillRef>
+            <a:effectRef idx="0">
+              <a:schemeClr val="accent1"/>
+            </a:effectRef>
+            <a:fontRef idx="minor">
+              <a:schemeClr val="lt1"/>
+            </a:fontRef>
+          </p:style>
+          <p:txBody>
+            <a:bodyPr rtlCol="0" anchor="ctr"/>
+            <a:lstStyle/>
+            <a:p>
+              <a:pPr algn="ctr"/>
+              <a:endParaRPr lang="en-US"/>
+            </a:p>
+          </p:txBody>
+        </p:sp>
+        <p:sp>
+          <p:nvSpPr>
+            <p:cNvPr id="34" name="화살표: 위쪽/아래쪽 33">
+              <a:extLst>
+                <a:ext uri="{FF2B5EF4-FFF2-40B4-BE49-F238E27FC236}">
+                  <a16:creationId xmlns:a16="http://schemas.microsoft.com/office/drawing/2014/main" id="{FA6DC64F-F213-4D41-B8A6-D06E1512A180}"/>
+                </a:ext>
+              </a:extLst>
+            </p:cNvPr>
+            <p:cNvSpPr/>
+            <p:nvPr/>
+          </p:nvSpPr>
+          <p:spPr>
+            <a:xfrm rot="19154619">
+              <a:off x="8839547" y="2844976"/>
+              <a:ext cx="431075" cy="1060266"/>
+            </a:xfrm>
+            <a:prstGeom prst="upDownArrow">
+              <a:avLst/>
+            </a:prstGeom>
+            <a:solidFill>
+              <a:srgbClr val="ABE9FF"/>
+            </a:solidFill>
+            <a:ln>
+              <a:solidFill>
+                <a:srgbClr val="00B0F0"/>
+              </a:solidFill>
+            </a:ln>
+          </p:spPr>
+          <p:style>
+            <a:lnRef idx="2">
+              <a:schemeClr val="accent1">
+                <a:shade val="50000"/>
+              </a:schemeClr>
+            </a:lnRef>
+            <a:fillRef idx="1">
+              <a:schemeClr val="accent1"/>
+            </a:fillRef>
+            <a:effectRef idx="0">
+              <a:schemeClr val="accent1"/>
+            </a:effectRef>
+            <a:fontRef idx="minor">
+              <a:schemeClr val="lt1"/>
+            </a:fontRef>
+          </p:style>
+          <p:txBody>
+            <a:bodyPr rtlCol="0" anchor="ctr"/>
+            <a:lstStyle/>
+            <a:p>
+              <a:pPr algn="ctr"/>
+              <a:endParaRPr lang="en-US"/>
+            </a:p>
+          </p:txBody>
+        </p:sp>
+        <p:sp>
+          <p:nvSpPr>
+            <p:cNvPr id="35" name="화살표: 위쪽/아래쪽 34">
+              <a:extLst>
+                <a:ext uri="{FF2B5EF4-FFF2-40B4-BE49-F238E27FC236}">
+                  <a16:creationId xmlns:a16="http://schemas.microsoft.com/office/drawing/2014/main" id="{1FE0818D-A7A3-4016-A056-8D16DF47633C}"/>
+                </a:ext>
+              </a:extLst>
+            </p:cNvPr>
+            <p:cNvSpPr/>
+            <p:nvPr/>
+          </p:nvSpPr>
+          <p:spPr>
+            <a:xfrm rot="2803581">
+              <a:off x="8774469" y="4882478"/>
+              <a:ext cx="431075" cy="1097280"/>
+            </a:xfrm>
+            <a:prstGeom prst="upDownArrow">
+              <a:avLst/>
+            </a:prstGeom>
+            <a:solidFill>
+              <a:schemeClr val="accent1">
+                <a:lumMod val="20000"/>
+                <a:lumOff val="80000"/>
+              </a:schemeClr>
+            </a:solidFill>
+          </p:spPr>
+          <p:style>
+            <a:lnRef idx="2">
+              <a:schemeClr val="accent1">
+                <a:shade val="50000"/>
+              </a:schemeClr>
+            </a:lnRef>
+            <a:fillRef idx="1">
+              <a:schemeClr val="accent1"/>
+            </a:fillRef>
+            <a:effectRef idx="0">
+              <a:schemeClr val="accent1"/>
+            </a:effectRef>
+            <a:fontRef idx="minor">
+              <a:schemeClr val="lt1"/>
+            </a:fontRef>
+          </p:style>
+          <p:txBody>
+            <a:bodyPr rtlCol="0" anchor="ctr"/>
+            <a:lstStyle/>
+            <a:p>
+              <a:pPr algn="ctr"/>
+              <a:endParaRPr lang="en-US"/>
+            </a:p>
+          </p:txBody>
+        </p:sp>
+        <p:sp>
+          <p:nvSpPr>
+            <p:cNvPr id="39" name="TextBox 38">
+              <a:extLst>
+                <a:ext uri="{FF2B5EF4-FFF2-40B4-BE49-F238E27FC236}">
+                  <a16:creationId xmlns:a16="http://schemas.microsoft.com/office/drawing/2014/main" id="{3E6CF412-FFC2-427A-8261-91C2D04D8B9D}"/>
+                </a:ext>
+              </a:extLst>
+            </p:cNvPr>
+            <p:cNvSpPr txBox="1"/>
+            <p:nvPr/>
+          </p:nvSpPr>
+          <p:spPr>
+            <a:xfrm>
+              <a:off x="3921559" y="4815599"/>
+              <a:ext cx="1360377" cy="369332"/>
+            </a:xfrm>
+            <a:prstGeom prst="rect">
+              <a:avLst/>
+            </a:prstGeom>
+            <a:noFill/>
+          </p:spPr>
+          <p:txBody>
+            <a:bodyPr wrap="square" rtlCol="0">
+              <a:spAutoFit/>
+            </a:bodyPr>
+            <a:lstStyle/>
+            <a:p>
+              <a:pPr algn="ctr"/>
+              <a:r>
+                <a:rPr lang="en-US" dirty="0"/>
+                <a:t>Server</a:t>
+              </a:r>
+            </a:p>
+          </p:txBody>
+        </p:sp>
+        <p:sp>
+          <p:nvSpPr>
+            <p:cNvPr id="40" name="TextBox 39">
+              <a:extLst>
+                <a:ext uri="{FF2B5EF4-FFF2-40B4-BE49-F238E27FC236}">
+                  <a16:creationId xmlns:a16="http://schemas.microsoft.com/office/drawing/2014/main" id="{6874408D-23CF-43E8-9BE5-254244E32661}"/>
+                </a:ext>
+              </a:extLst>
+            </p:cNvPr>
+            <p:cNvSpPr txBox="1"/>
+            <p:nvPr/>
+          </p:nvSpPr>
+          <p:spPr>
+            <a:xfrm>
+              <a:off x="6817435" y="4846722"/>
+              <a:ext cx="1360377" cy="369332"/>
+            </a:xfrm>
+            <a:prstGeom prst="rect">
+              <a:avLst/>
+            </a:prstGeom>
+            <a:noFill/>
+          </p:spPr>
+          <p:txBody>
+            <a:bodyPr wrap="square" rtlCol="0">
+              <a:spAutoFit/>
+            </a:bodyPr>
+            <a:lstStyle/>
+            <a:p>
+              <a:pPr algn="ctr"/>
+              <a:r>
+                <a:rPr lang="en-US" dirty="0"/>
+                <a:t>Email</a:t>
+              </a:r>
+            </a:p>
+          </p:txBody>
+        </p:sp>
+        <p:sp>
+          <p:nvSpPr>
+            <p:cNvPr id="41" name="TextBox 40">
+              <a:extLst>
+                <a:ext uri="{FF2B5EF4-FFF2-40B4-BE49-F238E27FC236}">
+                  <a16:creationId xmlns:a16="http://schemas.microsoft.com/office/drawing/2014/main" id="{85E415C8-BDAA-4B73-8BC3-10EB9A9729C9}"/>
+                </a:ext>
+              </a:extLst>
+            </p:cNvPr>
+            <p:cNvSpPr txBox="1"/>
+            <p:nvPr/>
+          </p:nvSpPr>
+          <p:spPr>
+            <a:xfrm>
+              <a:off x="6817435" y="6397228"/>
+              <a:ext cx="1360377" cy="369332"/>
+            </a:xfrm>
+            <a:prstGeom prst="rect">
+              <a:avLst/>
+            </a:prstGeom>
+            <a:noFill/>
+          </p:spPr>
+          <p:txBody>
+            <a:bodyPr wrap="square" rtlCol="0">
+              <a:spAutoFit/>
+            </a:bodyPr>
+            <a:lstStyle/>
+            <a:p>
+              <a:pPr algn="ctr"/>
+              <a:r>
+                <a:rPr lang="en-US" dirty="0"/>
+                <a:t>SMS</a:t>
+              </a:r>
+            </a:p>
+          </p:txBody>
+        </p:sp>
+        <p:sp>
+          <p:nvSpPr>
+            <p:cNvPr id="42" name="TextBox 41">
+              <a:extLst>
+                <a:ext uri="{FF2B5EF4-FFF2-40B4-BE49-F238E27FC236}">
+                  <a16:creationId xmlns:a16="http://schemas.microsoft.com/office/drawing/2014/main" id="{0BC2F17F-F8E2-48FF-832C-4AD8B9E972B2}"/>
+                </a:ext>
+              </a:extLst>
+            </p:cNvPr>
+            <p:cNvSpPr txBox="1"/>
+            <p:nvPr/>
+          </p:nvSpPr>
+          <p:spPr>
+            <a:xfrm>
+              <a:off x="1128916" y="4846722"/>
+              <a:ext cx="1360377" cy="369332"/>
+            </a:xfrm>
+            <a:prstGeom prst="rect">
+              <a:avLst/>
+            </a:prstGeom>
+            <a:noFill/>
+          </p:spPr>
+          <p:txBody>
+            <a:bodyPr wrap="square" rtlCol="0">
+              <a:spAutoFit/>
+            </a:bodyPr>
+            <a:lstStyle/>
+            <a:p>
+              <a:pPr algn="ctr"/>
+              <a:r>
+                <a:rPr lang="en-US" dirty="0"/>
+                <a:t>Developer</a:t>
+              </a:r>
+            </a:p>
+          </p:txBody>
+        </p:sp>
+        <p:pic>
+          <p:nvPicPr>
+            <p:cNvPr id="29" name="Picture 2" descr="https://images.vexels.com/media/users/3/128132/isolated/preview/fa3b9aad78a9db81459bd03294a0f985-flat-laptop-icon-by-vexels.png">
+              <a:extLst>
+                <a:ext uri="{FF2B5EF4-FFF2-40B4-BE49-F238E27FC236}">
+                  <a16:creationId xmlns:a16="http://schemas.microsoft.com/office/drawing/2014/main" id="{0CE503CF-0A0C-4BEC-88DB-A9E29DF9C0CF}"/>
+                </a:ext>
+              </a:extLst>
+            </p:cNvPr>
+            <p:cNvPicPr>
+              <a:picLocks noChangeAspect="1" noChangeArrowheads="1"/>
+            </p:cNvPicPr>
+            <p:nvPr/>
+          </p:nvPicPr>
+          <p:blipFill rotWithShape="1">
+            <a:blip r:embed="rId2">
+              <a:extLst>
+                <a:ext uri="{28A0092B-C50C-407E-A947-70E740481C1C}">
+                  <a14:useLocalDpi xmlns:a14="http://schemas.microsoft.com/office/drawing/2010/main" val="0"/>
+                </a:ext>
+              </a:extLst>
+            </a:blip>
+            <a:srcRect t="18951" b="16694"/>
+            <a:stretch/>
+          </p:blipFill>
+          <p:spPr bwMode="auto">
+            <a:xfrm>
+              <a:off x="9537213" y="3148630"/>
+              <a:ext cx="1678365" cy="1080093"/>
+            </a:xfrm>
+            <a:prstGeom prst="rect">
+              <a:avLst/>
+            </a:prstGeom>
+            <a:noFill/>
+            <a:extLst>
+              <a:ext uri="{909E8E84-426E-40DD-AFC4-6F175D3DCCD1}">
+                <a14:hiddenFill xmlns:a14="http://schemas.microsoft.com/office/drawing/2010/main">
+                  <a:solidFill>
+                    <a:srgbClr val="FFFFFF"/>
+                  </a:solidFill>
+                </a14:hiddenFill>
+              </a:ext>
+            </a:extLst>
+          </p:spPr>
+        </p:pic>
+        <p:pic>
+          <p:nvPicPr>
+            <p:cNvPr id="30" name="Picture 4" descr="Server PNG">
+              <a:extLst>
+                <a:ext uri="{FF2B5EF4-FFF2-40B4-BE49-F238E27FC236}">
+                  <a16:creationId xmlns:a16="http://schemas.microsoft.com/office/drawing/2014/main" id="{EE9BC298-BBE6-494A-BA44-6E2A68ED75F7}"/>
+                </a:ext>
+              </a:extLst>
+            </p:cNvPr>
+            <p:cNvPicPr>
+              <a:picLocks noChangeAspect="1" noChangeArrowheads="1"/>
+            </p:cNvPicPr>
+            <p:nvPr/>
+          </p:nvPicPr>
+          <p:blipFill>
+            <a:blip r:embed="rId3">
+              <a:extLst>
+                <a:ext uri="{28A0092B-C50C-407E-A947-70E740481C1C}">
+                  <a14:useLocalDpi xmlns:a14="http://schemas.microsoft.com/office/drawing/2010/main" val="0"/>
+                </a:ext>
+              </a:extLst>
+            </a:blip>
+            <a:srcRect/>
+            <a:stretch>
+              <a:fillRect/>
+            </a:stretch>
+          </p:blipFill>
+          <p:spPr bwMode="auto">
+            <a:xfrm flipH="1">
+              <a:off x="3956737" y="3007084"/>
+              <a:ext cx="829163" cy="1117973"/>
+            </a:xfrm>
+            <a:prstGeom prst="rect">
+              <a:avLst/>
+            </a:prstGeom>
+            <a:noFill/>
+            <a:extLst>
+              <a:ext uri="{909E8E84-426E-40DD-AFC4-6F175D3DCCD1}">
+                <a14:hiddenFill xmlns:a14="http://schemas.microsoft.com/office/drawing/2010/main">
+                  <a:solidFill>
+                    <a:srgbClr val="FFFFFF"/>
+                  </a:solidFill>
+                </a14:hiddenFill>
+              </a:ext>
+            </a:extLst>
+          </p:spPr>
+        </p:pic>
+        <p:pic>
+          <p:nvPicPr>
+            <p:cNvPr id="32" name="Picture 6" descr="Server PNG">
+              <a:extLst>
+                <a:ext uri="{FF2B5EF4-FFF2-40B4-BE49-F238E27FC236}">
+                  <a16:creationId xmlns:a16="http://schemas.microsoft.com/office/drawing/2014/main" id="{89754294-3A32-4050-BC9B-7620CBB63F6D}"/>
+                </a:ext>
+              </a:extLst>
+            </p:cNvPr>
+            <p:cNvPicPr>
+              <a:picLocks noChangeAspect="1" noChangeArrowheads="1"/>
+            </p:cNvPicPr>
+            <p:nvPr/>
+          </p:nvPicPr>
+          <p:blipFill>
+            <a:blip r:embed="rId4">
+              <a:extLst>
+                <a:ext uri="{28A0092B-C50C-407E-A947-70E740481C1C}">
+                  <a14:useLocalDpi xmlns:a14="http://schemas.microsoft.com/office/drawing/2010/main" val="0"/>
+                </a:ext>
+              </a:extLst>
+            </a:blip>
+            <a:srcRect/>
+            <a:stretch>
+              <a:fillRect/>
+            </a:stretch>
+          </p:blipFill>
+          <p:spPr bwMode="auto">
+            <a:xfrm flipH="1">
+              <a:off x="4563662" y="3211525"/>
+              <a:ext cx="875652" cy="875652"/>
+            </a:xfrm>
+            <a:prstGeom prst="rect">
+              <a:avLst/>
+            </a:prstGeom>
+            <a:noFill/>
+            <a:extLst>
+              <a:ext uri="{909E8E84-426E-40DD-AFC4-6F175D3DCCD1}">
+                <a14:hiddenFill xmlns:a14="http://schemas.microsoft.com/office/drawing/2010/main">
+                  <a:solidFill>
+                    <a:srgbClr val="FFFFFF"/>
+                  </a:solidFill>
+                </a14:hiddenFill>
+              </a:ext>
+            </a:extLst>
+          </p:spPr>
+        </p:pic>
+      </p:grpSp>
+    </p:spTree>
+    <p:extLst>
+      <p:ext uri="{BB962C8B-B14F-4D97-AF65-F5344CB8AC3E}">
+        <p14:creationId xmlns:p14="http://schemas.microsoft.com/office/powerpoint/2010/main" val="1419189164"/>
+      </p:ext>
+    </p:extLst>
+  </p:cSld>
+  <p:clrMapOvr>
+    <a:masterClrMapping/>
+  </p:clrMapOvr>
+</p:sld>
+</file>
+
+<file path=ppt/slides/slide11.xml><?xml version="1.0" encoding="utf-8"?>
+<p:sld xmlns:a="http://schemas.openxmlformats.org/drawingml/2006/main" xmlns:r="http://schemas.openxmlformats.org/officeDocument/2006/relationships" xmlns:p="http://schemas.openxmlformats.org/presentationml/2006/main">
+  <p:cSld>
     <p:bg>
       <p:bgPr>
         <a:solidFill>
@@ -10573,7 +11567,7 @@
                   <a:spcPts val="600"/>
                 </a:spcAft>
               </a:pPr>
-              <a:t>10</a:t>
+              <a:t>11</a:t>
             </a:fld>
             <a:endParaRPr lang="en-US"/>
           </a:p>
@@ -10713,7 +11707,7 @@
 </p:sld>
 </file>
 
-<file path=ppt/slides/slide11.xml><?xml version="1.0" encoding="utf-8"?>
+<file path=ppt/slides/slide12.xml><?xml version="1.0" encoding="utf-8"?>
 <p:sld xmlns:a="http://schemas.openxmlformats.org/drawingml/2006/main" xmlns:r="http://schemas.openxmlformats.org/officeDocument/2006/relationships" xmlns:p="http://schemas.openxmlformats.org/presentationml/2006/main">
   <p:cSld>
     <p:bg>
@@ -10960,7 +11954,7 @@
                   <a:spcPts val="600"/>
                 </a:spcAft>
               </a:pPr>
-              <a:t>11</a:t>
+              <a:t>12</a:t>
             </a:fld>
             <a:endParaRPr lang="en-US"/>
           </a:p>
@@ -11009,7 +12003,7 @@
 </p:sld>
 </file>
 
-<file path=ppt/slides/slide12.xml><?xml version="1.0" encoding="utf-8"?>
+<file path=ppt/slides/slide13.xml><?xml version="1.0" encoding="utf-8"?>
 <p:sld xmlns:a="http://schemas.openxmlformats.org/drawingml/2006/main" xmlns:r="http://schemas.openxmlformats.org/officeDocument/2006/relationships" xmlns:p="http://schemas.openxmlformats.org/presentationml/2006/main">
   <p:cSld>
     <p:spTree>
@@ -11082,7 +12076,7 @@
           <a:p>
             <a:fld id="{8B9A499C-E7AC-4E74-9635-A20519089A3A}" type="slidenum">
               <a:rPr lang="en-US" smtClean="0"/>
-              <a:t>12</a:t>
+              <a:t>13</a:t>
             </a:fld>
             <a:endParaRPr lang="en-US"/>
           </a:p>
@@ -12004,7 +12998,7 @@
 </p:sld>
 </file>
 
-<file path=ppt/slides/slide13.xml><?xml version="1.0" encoding="utf-8"?>
+<file path=ppt/slides/slide14.xml><?xml version="1.0" encoding="utf-8"?>
 <p:sld xmlns:a="http://schemas.openxmlformats.org/drawingml/2006/main" xmlns:r="http://schemas.openxmlformats.org/officeDocument/2006/relationships" xmlns:p="http://schemas.openxmlformats.org/presentationml/2006/main">
   <p:cSld>
     <p:spTree>
@@ -12077,7 +13071,7 @@
           <a:p>
             <a:fld id="{8B9A499C-E7AC-4E74-9635-A20519089A3A}" type="slidenum">
               <a:rPr lang="en-US" smtClean="0"/>
-              <a:t>13</a:t>
+              <a:t>14</a:t>
             </a:fld>
             <a:endParaRPr lang="en-US"/>
           </a:p>
@@ -17398,7 +18392,7 @@
 </p:sld>
 </file>
 
-<file path=ppt/slides/slide14.xml><?xml version="1.0" encoding="utf-8"?>
+<file path=ppt/slides/slide15.xml><?xml version="1.0" encoding="utf-8"?>
 <p:sld xmlns:a="http://schemas.openxmlformats.org/drawingml/2006/main" xmlns:r="http://schemas.openxmlformats.org/officeDocument/2006/relationships" xmlns:p="http://schemas.openxmlformats.org/presentationml/2006/main">
   <p:cSld>
     <p:spTree>
@@ -17664,7 +18658,7 @@
                   <a:spcPts val="600"/>
                 </a:spcAft>
               </a:pPr>
-              <a:t>14</a:t>
+              <a:t>15</a:t>
             </a:fld>
             <a:endParaRPr lang="en-US"/>
           </a:p>
@@ -17683,7 +18677,7 @@
 </p:sld>
 </file>
 
-<file path=ppt/slides/slide15.xml><?xml version="1.0" encoding="utf-8"?>
+<file path=ppt/slides/slide16.xml><?xml version="1.0" encoding="utf-8"?>
 <p:sld xmlns:a="http://schemas.openxmlformats.org/drawingml/2006/main" xmlns:r="http://schemas.openxmlformats.org/officeDocument/2006/relationships" xmlns:p="http://schemas.openxmlformats.org/presentationml/2006/main">
   <p:cSld>
     <p:spTree>
@@ -17751,7 +18745,7 @@
           <a:p>
             <a:fld id="{8B9A499C-E7AC-4E74-9635-A20519089A3A}" type="slidenum">
               <a:rPr lang="en-US" smtClean="0"/>
-              <a:t>15</a:t>
+              <a:t>16</a:t>
             </a:fld>
             <a:endParaRPr lang="en-US"/>
           </a:p>
@@ -24065,10 +25059,10 @@
       </p:graphicFrame>
       <p:sp>
         <p:nvSpPr>
-          <p:cNvPr id="4" name="슬라이드 번호 개체 틀 3">
+          <p:cNvPr id="8" name="슬라이드 번호 개체 틀 3">
             <a:extLst>
               <a:ext uri="{FF2B5EF4-FFF2-40B4-BE49-F238E27FC236}">
-                <a16:creationId xmlns:a16="http://schemas.microsoft.com/office/drawing/2014/main" id="{AAFF09AC-5302-497C-8639-FB430B6391C3}"/>
+                <a16:creationId xmlns:a16="http://schemas.microsoft.com/office/drawing/2014/main" id="{E440DF34-1192-498D-87DF-D799D749F7EA}"/>
               </a:ext>
             </a:extLst>
           </p:cNvPr>
@@ -24111,7 +25105,7 @@
               </a:pPr>
               <a:t>8</a:t>
             </a:fld>
-            <a:endParaRPr lang="en-US"/>
+            <a:endParaRPr lang="en-US" dirty="0"/>
           </a:p>
         </p:txBody>
       </p:sp>
@@ -24131,6 +25125,16 @@
 <file path=ppt/slides/slide9.xml><?xml version="1.0" encoding="utf-8"?>
 <p:sld xmlns:a="http://schemas.openxmlformats.org/drawingml/2006/main" xmlns:r="http://schemas.openxmlformats.org/officeDocument/2006/relationships" xmlns:p="http://schemas.openxmlformats.org/presentationml/2006/main">
   <p:cSld>
+    <p:bg>
+      <p:bgPr>
+        <a:solidFill>
+          <a:schemeClr val="bg1">
+            <a:lumMod val="95000"/>
+          </a:schemeClr>
+        </a:solidFill>
+        <a:effectLst/>
+      </p:bgPr>
+    </p:bg>
     <p:spTree>
       <p:nvGrpSpPr>
         <p:cNvPr id="1" name=""/>
@@ -24147,10 +25151,182 @@
       </p:grpSpPr>
       <p:sp>
         <p:nvSpPr>
+          <p:cNvPr id="10" name="Rectangle 9"/>
+          <p:cNvSpPr>
+            <a:spLocks noGrp="1" noRot="1" noChangeAspect="1" noMove="1" noResize="1" noEditPoints="1" noAdjustHandles="1" noChangeArrowheads="1" noChangeShapeType="1" noTextEdit="1"/>
+          </p:cNvSpPr>
+          <p:nvPr>
+            <p:extLst>
+              <p:ext uri="{386F3935-93C4-4BCD-93E2-E3B085C9AB24}">
+                <p16:designElem xmlns:p16="http://schemas.microsoft.com/office/powerpoint/2015/main" val="1"/>
+              </p:ext>
+            </p:extLst>
+          </p:nvPr>
+        </p:nvSpPr>
+        <p:spPr bwMode="white">
+          <a:xfrm>
+            <a:off x="0" y="0"/>
+            <a:ext cx="12192000" cy="6858000"/>
+          </a:xfrm>
+          <a:prstGeom prst="rect">
+            <a:avLst/>
+          </a:prstGeom>
+          <a:solidFill>
+            <a:schemeClr val="bg1">
+              <a:lumMod val="95000"/>
+            </a:schemeClr>
+          </a:solidFill>
+          <a:effectLst/>
+        </p:spPr>
+      </p:sp>
+      <p:sp>
+        <p:nvSpPr>
+          <p:cNvPr id="12" name="Rectangle 11"/>
+          <p:cNvSpPr>
+            <a:spLocks noGrp="1" noRot="1" noChangeAspect="1" noMove="1" noResize="1" noEditPoints="1" noAdjustHandles="1" noChangeArrowheads="1" noChangeShapeType="1" noTextEdit="1"/>
+          </p:cNvSpPr>
+          <p:nvPr>
+            <p:extLst>
+              <p:ext uri="{386F3935-93C4-4BCD-93E2-E3B085C9AB24}">
+                <p16:designElem xmlns:p16="http://schemas.microsoft.com/office/powerpoint/2015/main" val="1"/>
+              </p:ext>
+            </p:extLst>
+          </p:nvPr>
+        </p:nvSpPr>
+        <p:spPr>
+          <a:xfrm>
+            <a:off x="1575405" y="950977"/>
+            <a:ext cx="9041190" cy="4956047"/>
+          </a:xfrm>
+          <a:prstGeom prst="rect">
+            <a:avLst/>
+          </a:prstGeom>
+          <a:solidFill>
+            <a:srgbClr val="FFFFFF"/>
+          </a:solidFill>
+          <a:ln w="31750">
+            <a:solidFill>
+              <a:srgbClr val="404040"/>
+            </a:solidFill>
+          </a:ln>
+        </p:spPr>
+        <p:style>
+          <a:lnRef idx="2">
+            <a:schemeClr val="accent1">
+              <a:shade val="50000"/>
+            </a:schemeClr>
+          </a:lnRef>
+          <a:fillRef idx="1">
+            <a:schemeClr val="accent1"/>
+          </a:fillRef>
+          <a:effectRef idx="0">
+            <a:schemeClr val="accent1"/>
+          </a:effectRef>
+          <a:fontRef idx="minor">
+            <a:schemeClr val="lt1"/>
+          </a:fontRef>
+        </p:style>
+        <p:txBody>
+          <a:bodyPr rtlCol="0" anchor="ctr"/>
+          <a:lstStyle/>
+          <a:p>
+            <a:pPr algn="ctr"/>
+            <a:endParaRPr lang="en-US"/>
+          </a:p>
+        </p:txBody>
+      </p:sp>
+      <p:pic>
+        <p:nvPicPr>
+          <p:cNvPr id="5" name="내용 개체 틀 4">
+            <a:extLst>
+              <a:ext uri="{FF2B5EF4-FFF2-40B4-BE49-F238E27FC236}">
+                <a16:creationId xmlns:a16="http://schemas.microsoft.com/office/drawing/2014/main" id="{3BB61CFB-1DFA-41EF-9BA8-6B52A121D196}"/>
+              </a:ext>
+            </a:extLst>
+          </p:cNvPr>
+          <p:cNvPicPr>
+            <a:picLocks noGrp="1" noChangeAspect="1"/>
+          </p:cNvPicPr>
+          <p:nvPr>
+            <p:ph idx="1"/>
+          </p:nvPr>
+        </p:nvPicPr>
+        <p:blipFill>
+          <a:blip r:embed="rId2"/>
+          <a:stretch>
+            <a:fillRect/>
+          </a:stretch>
+        </p:blipFill>
+        <p:spPr>
+          <a:xfrm>
+            <a:off x="2366210" y="1582413"/>
+            <a:ext cx="7915425" cy="3693173"/>
+          </a:xfrm>
+          <a:prstGeom prst="rect">
+            <a:avLst/>
+          </a:prstGeom>
+        </p:spPr>
+      </p:pic>
+      <p:sp>
+        <p:nvSpPr>
+          <p:cNvPr id="14" name="Oval 13"/>
+          <p:cNvSpPr>
+            <a:spLocks noGrp="1" noRot="1" noChangeAspect="1" noMove="1" noResize="1" noEditPoints="1" noAdjustHandles="1" noChangeArrowheads="1" noChangeShapeType="1" noTextEdit="1"/>
+          </p:cNvSpPr>
+          <p:nvPr>
+            <p:extLst>
+              <p:ext uri="{386F3935-93C4-4BCD-93E2-E3B085C9AB24}">
+                <p16:designElem xmlns:p16="http://schemas.microsoft.com/office/powerpoint/2015/main" val="1"/>
+              </p:ext>
+            </p:extLst>
+          </p:nvPr>
+        </p:nvSpPr>
+        <p:spPr>
+          <a:xfrm>
+            <a:off x="632380" y="624518"/>
+            <a:ext cx="2157984" cy="2157984"/>
+          </a:xfrm>
+          <a:prstGeom prst="ellipse">
+            <a:avLst/>
+          </a:prstGeom>
+          <a:solidFill>
+            <a:srgbClr val="404040"/>
+          </a:solidFill>
+          <a:ln w="31750">
+            <a:noFill/>
+          </a:ln>
+        </p:spPr>
+        <p:style>
+          <a:lnRef idx="2">
+            <a:schemeClr val="accent1">
+              <a:shade val="50000"/>
+            </a:schemeClr>
+          </a:lnRef>
+          <a:fillRef idx="1">
+            <a:schemeClr val="accent1"/>
+          </a:fillRef>
+          <a:effectRef idx="0">
+            <a:schemeClr val="accent1"/>
+          </a:effectRef>
+          <a:fontRef idx="minor">
+            <a:schemeClr val="lt1"/>
+          </a:fontRef>
+        </p:style>
+        <p:txBody>
+          <a:bodyPr rtlCol="0" anchor="ctr"/>
+          <a:lstStyle/>
+          <a:p>
+            <a:pPr algn="ctr"/>
+            <a:endParaRPr lang="en-US"/>
+          </a:p>
+        </p:txBody>
+      </p:sp>
+      <p:sp>
+        <p:nvSpPr>
           <p:cNvPr id="2" name="제목 1">
             <a:extLst>
               <a:ext uri="{FF2B5EF4-FFF2-40B4-BE49-F238E27FC236}">
-                <a16:creationId xmlns:a16="http://schemas.microsoft.com/office/drawing/2014/main" id="{1A57E564-09E0-4238-A9E8-39CB26229891}"/>
+                <a16:creationId xmlns:a16="http://schemas.microsoft.com/office/drawing/2014/main" id="{0CA041C8-F11C-49A2-8C21-C3EE2224CB5B}"/>
               </a:ext>
             </a:extLst>
           </p:cNvPr>
@@ -24163,27 +25339,42 @@
         </p:nvSpPr>
         <p:spPr>
           <a:xfrm>
-            <a:off x="3756536" y="964692"/>
-            <a:ext cx="4678928" cy="1188720"/>
+            <a:off x="796972" y="789110"/>
+            <a:ext cx="1828800" cy="1828800"/>
           </a:xfrm>
+          <a:prstGeom prst="ellipse">
+            <a:avLst/>
+          </a:prstGeom>
+          <a:noFill/>
+          <a:ln>
+            <a:solidFill>
+              <a:srgbClr val="FFFFFF"/>
+            </a:solidFill>
+          </a:ln>
         </p:spPr>
         <p:txBody>
-          <a:bodyPr/>
+          <a:bodyPr vert="horz" lIns="182880" tIns="182880" rIns="182880" bIns="182880" rtlCol="0" anchor="ctr">
+            <a:normAutofit/>
+          </a:bodyPr>
           <a:lstStyle/>
           <a:p>
             <a:r>
-              <a:rPr lang="en-US" dirty="0"/>
-              <a:t>Server is Ready</a:t>
+              <a:rPr lang="en-US" sz="1400">
+                <a:solidFill>
+                  <a:srgbClr val="FFFFFF"/>
+                </a:solidFill>
+              </a:rPr>
+              <a:t>when commit Error occurs</a:t>
             </a:r>
           </a:p>
         </p:txBody>
       </p:sp>
       <p:sp>
         <p:nvSpPr>
-          <p:cNvPr id="38" name="슬라이드 번호 개체 틀 37">
+          <p:cNvPr id="9" name="슬라이드 번호 개체 틀 3">
             <a:extLst>
               <a:ext uri="{FF2B5EF4-FFF2-40B4-BE49-F238E27FC236}">
-                <a16:creationId xmlns:a16="http://schemas.microsoft.com/office/drawing/2014/main" id="{EA584632-DDD4-4959-90F3-25989E8DA709}"/>
+                <a16:creationId xmlns:a16="http://schemas.microsoft.com/office/drawing/2014/main" id="{0E719565-35B4-43A2-99BD-8F7B529A5573}"/>
               </a:ext>
             </a:extLst>
           </p:cNvPr>
@@ -24194,924 +25385,46 @@
             <p:ph type="sldNum" sz="quarter" idx="12"/>
           </p:nvPr>
         </p:nvSpPr>
-        <p:spPr/>
+        <p:spPr>
+          <a:xfrm>
+            <a:off x="11704320" y="6400800"/>
+            <a:ext cx="365760" cy="365760"/>
+          </a:xfrm>
+        </p:spPr>
         <p:txBody>
-          <a:bodyPr/>
+          <a:bodyPr>
+            <a:normAutofit/>
+          </a:bodyPr>
           <a:lstStyle/>
           <a:p>
+            <a:pPr>
+              <a:lnSpc>
+                <a:spcPct val="90000"/>
+              </a:lnSpc>
+              <a:spcAft>
+                <a:spcPts val="600"/>
+              </a:spcAft>
+            </a:pPr>
             <a:fld id="{8B9A499C-E7AC-4E74-9635-A20519089A3A}" type="slidenum">
               <a:rPr lang="en-US" smtClean="0"/>
+              <a:pPr>
+                <a:lnSpc>
+                  <a:spcPct val="90000"/>
+                </a:lnSpc>
+                <a:spcAft>
+                  <a:spcPts val="600"/>
+                </a:spcAft>
+              </a:pPr>
               <a:t>9</a:t>
             </a:fld>
-            <a:endParaRPr lang="en-US"/>
+            <a:endParaRPr lang="en-US" dirty="0"/>
           </a:p>
         </p:txBody>
       </p:sp>
-      <p:grpSp>
-        <p:nvGrpSpPr>
-          <p:cNvPr id="3" name="그룹 2">
-            <a:extLst>
-              <a:ext uri="{FF2B5EF4-FFF2-40B4-BE49-F238E27FC236}">
-                <a16:creationId xmlns:a16="http://schemas.microsoft.com/office/drawing/2014/main" id="{9AB9C544-374A-4A21-B784-B2BBC9F628DB}"/>
-              </a:ext>
-            </a:extLst>
-          </p:cNvPr>
-          <p:cNvGrpSpPr/>
-          <p:nvPr/>
-        </p:nvGrpSpPr>
-        <p:grpSpPr>
-          <a:xfrm>
-            <a:off x="997944" y="2465842"/>
-            <a:ext cx="10217634" cy="4300718"/>
-            <a:chOff x="997944" y="2465842"/>
-            <a:chExt cx="10217634" cy="4300718"/>
-          </a:xfrm>
-        </p:grpSpPr>
-        <p:sp>
-          <p:nvSpPr>
-            <p:cNvPr id="20" name="TextBox 19">
-              <a:extLst>
-                <a:ext uri="{FF2B5EF4-FFF2-40B4-BE49-F238E27FC236}">
-                  <a16:creationId xmlns:a16="http://schemas.microsoft.com/office/drawing/2014/main" id="{F7C69F09-0542-4585-8F31-953E5D743F0A}"/>
-                </a:ext>
-              </a:extLst>
-            </p:cNvPr>
-            <p:cNvSpPr txBox="1"/>
-            <p:nvPr/>
-          </p:nvSpPr>
-          <p:spPr>
-            <a:xfrm>
-              <a:off x="9571733" y="3988174"/>
-              <a:ext cx="1622322" cy="858548"/>
-            </a:xfrm>
-            <a:prstGeom prst="roundRect">
-              <a:avLst/>
-            </a:prstGeom>
-            <a:solidFill>
-              <a:srgbClr val="00B0F0"/>
-            </a:solidFill>
-          </p:spPr>
-          <p:txBody>
-            <a:bodyPr wrap="square" rtlCol="0" anchor="ctr" anchorCtr="0">
-              <a:noAutofit/>
-            </a:bodyPr>
-            <a:lstStyle/>
-            <a:p>
-              <a:pPr algn="ctr"/>
-              <a:r>
-                <a:rPr lang="en-US" sz="3000" dirty="0"/>
-                <a:t>User</a:t>
-              </a:r>
-            </a:p>
-          </p:txBody>
-        </p:sp>
-        <p:sp>
-          <p:nvSpPr>
-            <p:cNvPr id="21" name="TextBox 20">
-              <a:extLst>
-                <a:ext uri="{FF2B5EF4-FFF2-40B4-BE49-F238E27FC236}">
-                  <a16:creationId xmlns:a16="http://schemas.microsoft.com/office/drawing/2014/main" id="{513A82AE-6F04-4EAB-BF2C-8FF6276830BA}"/>
-                </a:ext>
-              </a:extLst>
-            </p:cNvPr>
-            <p:cNvSpPr txBox="1"/>
-            <p:nvPr/>
-          </p:nvSpPr>
-          <p:spPr>
-            <a:xfrm>
-              <a:off x="3790587" y="3988174"/>
-              <a:ext cx="1622322" cy="858548"/>
-            </a:xfrm>
-            <a:prstGeom prst="roundRect">
-              <a:avLst/>
-            </a:prstGeom>
-            <a:solidFill>
-              <a:srgbClr val="00B0F0"/>
-            </a:solidFill>
-          </p:spPr>
-          <p:txBody>
-            <a:bodyPr wrap="square" rtlCol="0" anchor="ctr" anchorCtr="0">
-              <a:noAutofit/>
-            </a:bodyPr>
-            <a:lstStyle/>
-            <a:p>
-              <a:pPr algn="ctr"/>
-              <a:r>
-                <a:rPr lang="en-US" sz="3000" dirty="0"/>
-                <a:t>Heroku</a:t>
-              </a:r>
-            </a:p>
-          </p:txBody>
-        </p:sp>
-        <p:sp>
-          <p:nvSpPr>
-            <p:cNvPr id="22" name="TextBox 21">
-              <a:extLst>
-                <a:ext uri="{FF2B5EF4-FFF2-40B4-BE49-F238E27FC236}">
-                  <a16:creationId xmlns:a16="http://schemas.microsoft.com/office/drawing/2014/main" id="{EB92E901-210D-4AC0-A45B-491CF1DD3F6F}"/>
-                </a:ext>
-              </a:extLst>
-            </p:cNvPr>
-            <p:cNvSpPr txBox="1"/>
-            <p:nvPr/>
-          </p:nvSpPr>
-          <p:spPr>
-            <a:xfrm>
-              <a:off x="997944" y="3988174"/>
-              <a:ext cx="1622322" cy="858548"/>
-            </a:xfrm>
-            <a:prstGeom prst="roundRect">
-              <a:avLst/>
-            </a:prstGeom>
-            <a:solidFill>
-              <a:srgbClr val="00B0F0"/>
-            </a:solidFill>
-          </p:spPr>
-          <p:txBody>
-            <a:bodyPr wrap="square" rtlCol="0" anchor="ctr" anchorCtr="0">
-              <a:noAutofit/>
-            </a:bodyPr>
-            <a:lstStyle/>
-            <a:p>
-              <a:pPr algn="ctr"/>
-              <a:r>
-                <a:rPr lang="en-US" sz="3000" dirty="0"/>
-                <a:t>Local</a:t>
-              </a:r>
-            </a:p>
-          </p:txBody>
-        </p:sp>
-        <p:sp>
-          <p:nvSpPr>
-            <p:cNvPr id="23" name="TextBox 22">
-              <a:extLst>
-                <a:ext uri="{FF2B5EF4-FFF2-40B4-BE49-F238E27FC236}">
-                  <a16:creationId xmlns:a16="http://schemas.microsoft.com/office/drawing/2014/main" id="{103F5FC2-5C3B-40AF-BD2D-BACCCEDB04D1}"/>
-                </a:ext>
-              </a:extLst>
-            </p:cNvPr>
-            <p:cNvSpPr txBox="1"/>
-            <p:nvPr/>
-          </p:nvSpPr>
-          <p:spPr>
-            <a:xfrm>
-              <a:off x="6681160" y="5522550"/>
-              <a:ext cx="1622322" cy="858548"/>
-            </a:xfrm>
-            <a:prstGeom prst="roundRect">
-              <a:avLst/>
-            </a:prstGeom>
-            <a:solidFill>
-              <a:srgbClr val="F6A21D"/>
-            </a:solidFill>
-          </p:spPr>
-          <p:txBody>
-            <a:bodyPr wrap="square" rtlCol="0" anchor="ctr" anchorCtr="0">
-              <a:noAutofit/>
-            </a:bodyPr>
-            <a:lstStyle/>
-            <a:p>
-              <a:pPr algn="ctr"/>
-              <a:r>
-                <a:rPr lang="en-US" sz="3000" dirty="0"/>
-                <a:t>Twilio</a:t>
-              </a:r>
-            </a:p>
-          </p:txBody>
-        </p:sp>
-        <p:sp>
-          <p:nvSpPr>
-            <p:cNvPr id="24" name="TextBox 23">
-              <a:extLst>
-                <a:ext uri="{FF2B5EF4-FFF2-40B4-BE49-F238E27FC236}">
-                  <a16:creationId xmlns:a16="http://schemas.microsoft.com/office/drawing/2014/main" id="{01025365-48DA-47E9-9BDD-2E99702B228B}"/>
-                </a:ext>
-              </a:extLst>
-            </p:cNvPr>
-            <p:cNvSpPr txBox="1"/>
-            <p:nvPr/>
-          </p:nvSpPr>
-          <p:spPr>
-            <a:xfrm>
-              <a:off x="6583230" y="2465842"/>
-              <a:ext cx="1818182" cy="858548"/>
-            </a:xfrm>
-            <a:prstGeom prst="roundRect">
-              <a:avLst/>
-            </a:prstGeom>
-            <a:solidFill>
-              <a:srgbClr val="00B0F0"/>
-            </a:solidFill>
-          </p:spPr>
-          <p:txBody>
-            <a:bodyPr wrap="square" rtlCol="0" anchor="ctr" anchorCtr="0">
-              <a:noAutofit/>
-            </a:bodyPr>
-            <a:lstStyle/>
-            <a:p>
-              <a:pPr algn="ctr"/>
-              <a:r>
-                <a:rPr lang="en-US" sz="3000" dirty="0"/>
-                <a:t>Facebook</a:t>
-              </a:r>
-            </a:p>
-          </p:txBody>
-        </p:sp>
-        <p:sp>
-          <p:nvSpPr>
-            <p:cNvPr id="25" name="TextBox 24">
-              <a:extLst>
-                <a:ext uri="{FF2B5EF4-FFF2-40B4-BE49-F238E27FC236}">
-                  <a16:creationId xmlns:a16="http://schemas.microsoft.com/office/drawing/2014/main" id="{9D96CB2F-D05C-4954-8F31-1D5A67A97B56}"/>
-                </a:ext>
-              </a:extLst>
-            </p:cNvPr>
-            <p:cNvSpPr txBox="1"/>
-            <p:nvPr/>
-          </p:nvSpPr>
-          <p:spPr>
-            <a:xfrm>
-              <a:off x="6681160" y="3988174"/>
-              <a:ext cx="1622322" cy="858548"/>
-            </a:xfrm>
-            <a:prstGeom prst="roundRect">
-              <a:avLst/>
-            </a:prstGeom>
-            <a:solidFill>
-              <a:srgbClr val="F6A21D"/>
-            </a:solidFill>
-          </p:spPr>
-          <p:txBody>
-            <a:bodyPr wrap="square" rtlCol="0" anchor="ctr" anchorCtr="0">
-              <a:noAutofit/>
-            </a:bodyPr>
-            <a:lstStyle/>
-            <a:p>
-              <a:pPr algn="ctr"/>
-              <a:r>
-                <a:rPr lang="en-US" sz="3000" dirty="0" err="1"/>
-                <a:t>Sendgrid</a:t>
-              </a:r>
-              <a:endParaRPr lang="en-US" sz="3000" dirty="0"/>
-            </a:p>
-          </p:txBody>
-        </p:sp>
-        <p:sp>
-          <p:nvSpPr>
-            <p:cNvPr id="26" name="화살표: 왼쪽/오른쪽 25">
-              <a:extLst>
-                <a:ext uri="{FF2B5EF4-FFF2-40B4-BE49-F238E27FC236}">
-                  <a16:creationId xmlns:a16="http://schemas.microsoft.com/office/drawing/2014/main" id="{910625D0-FA3C-4D9A-A600-5988EBB00882}"/>
-                </a:ext>
-              </a:extLst>
-            </p:cNvPr>
-            <p:cNvSpPr/>
-            <p:nvPr/>
-          </p:nvSpPr>
-          <p:spPr>
-            <a:xfrm>
-              <a:off x="2862505" y="4195459"/>
-              <a:ext cx="783772" cy="443977"/>
-            </a:xfrm>
-            <a:prstGeom prst="leftRightArrow">
-              <a:avLst/>
-            </a:prstGeom>
-            <a:solidFill>
-              <a:srgbClr val="ABE9FF"/>
-            </a:solidFill>
-            <a:ln>
-              <a:solidFill>
-                <a:srgbClr val="00B0F0"/>
-              </a:solidFill>
-            </a:ln>
-          </p:spPr>
-          <p:style>
-            <a:lnRef idx="2">
-              <a:schemeClr val="accent1">
-                <a:shade val="50000"/>
-              </a:schemeClr>
-            </a:lnRef>
-            <a:fillRef idx="1">
-              <a:schemeClr val="accent1"/>
-            </a:fillRef>
-            <a:effectRef idx="0">
-              <a:schemeClr val="accent1"/>
-            </a:effectRef>
-            <a:fontRef idx="minor">
-              <a:schemeClr val="lt1"/>
-            </a:fontRef>
-          </p:style>
-          <p:txBody>
-            <a:bodyPr rtlCol="0" anchor="ctr"/>
-            <a:lstStyle/>
-            <a:p>
-              <a:pPr algn="ctr"/>
-              <a:endParaRPr lang="en-US"/>
-            </a:p>
-          </p:txBody>
-        </p:sp>
-        <p:sp>
-          <p:nvSpPr>
-            <p:cNvPr id="27" name="화살표: 왼쪽/오른쪽 26">
-              <a:extLst>
-                <a:ext uri="{FF2B5EF4-FFF2-40B4-BE49-F238E27FC236}">
-                  <a16:creationId xmlns:a16="http://schemas.microsoft.com/office/drawing/2014/main" id="{A3CF292D-CFB8-4769-B018-15C26843766E}"/>
-                </a:ext>
-              </a:extLst>
-            </p:cNvPr>
-            <p:cNvSpPr/>
-            <p:nvPr/>
-          </p:nvSpPr>
-          <p:spPr>
-            <a:xfrm>
-              <a:off x="5655148" y="4195458"/>
-              <a:ext cx="783772" cy="443977"/>
-            </a:xfrm>
-            <a:prstGeom prst="leftRightArrow">
-              <a:avLst/>
-            </a:prstGeom>
-            <a:solidFill>
-              <a:schemeClr val="accent1">
-                <a:lumMod val="20000"/>
-                <a:lumOff val="80000"/>
-              </a:schemeClr>
-            </a:solidFill>
-          </p:spPr>
-          <p:style>
-            <a:lnRef idx="2">
-              <a:schemeClr val="accent1">
-                <a:shade val="50000"/>
-              </a:schemeClr>
-            </a:lnRef>
-            <a:fillRef idx="1">
-              <a:schemeClr val="accent1"/>
-            </a:fillRef>
-            <a:effectRef idx="0">
-              <a:schemeClr val="accent1"/>
-            </a:effectRef>
-            <a:fontRef idx="minor">
-              <a:schemeClr val="lt1"/>
-            </a:fontRef>
-          </p:style>
-          <p:txBody>
-            <a:bodyPr rtlCol="0" anchor="ctr"/>
-            <a:lstStyle/>
-            <a:p>
-              <a:pPr algn="ctr"/>
-              <a:endParaRPr lang="en-US"/>
-            </a:p>
-          </p:txBody>
-        </p:sp>
-        <p:sp>
-          <p:nvSpPr>
-            <p:cNvPr id="28" name="화살표: 왼쪽/오른쪽 27">
-              <a:extLst>
-                <a:ext uri="{FF2B5EF4-FFF2-40B4-BE49-F238E27FC236}">
-                  <a16:creationId xmlns:a16="http://schemas.microsoft.com/office/drawing/2014/main" id="{37E87DEE-5AC1-42A6-AFBE-438D255DAC40}"/>
-                </a:ext>
-              </a:extLst>
-            </p:cNvPr>
-            <p:cNvSpPr/>
-            <p:nvPr/>
-          </p:nvSpPr>
-          <p:spPr>
-            <a:xfrm>
-              <a:off x="8545721" y="4195457"/>
-              <a:ext cx="783772" cy="443977"/>
-            </a:xfrm>
-            <a:prstGeom prst="leftRightArrow">
-              <a:avLst/>
-            </a:prstGeom>
-            <a:solidFill>
-              <a:schemeClr val="accent1">
-                <a:lumMod val="20000"/>
-                <a:lumOff val="80000"/>
-              </a:schemeClr>
-            </a:solidFill>
-          </p:spPr>
-          <p:style>
-            <a:lnRef idx="2">
-              <a:schemeClr val="accent1">
-                <a:shade val="50000"/>
-              </a:schemeClr>
-            </a:lnRef>
-            <a:fillRef idx="1">
-              <a:schemeClr val="accent1"/>
-            </a:fillRef>
-            <a:effectRef idx="0">
-              <a:schemeClr val="accent1"/>
-            </a:effectRef>
-            <a:fontRef idx="minor">
-              <a:schemeClr val="lt1"/>
-            </a:fontRef>
-          </p:style>
-          <p:txBody>
-            <a:bodyPr rtlCol="0" anchor="ctr"/>
-            <a:lstStyle/>
-            <a:p>
-              <a:pPr algn="ctr"/>
-              <a:endParaRPr lang="en-US"/>
-            </a:p>
-          </p:txBody>
-        </p:sp>
-        <p:sp>
-          <p:nvSpPr>
-            <p:cNvPr id="31" name="화살표: 위쪽/아래쪽 30">
-              <a:extLst>
-                <a:ext uri="{FF2B5EF4-FFF2-40B4-BE49-F238E27FC236}">
-                  <a16:creationId xmlns:a16="http://schemas.microsoft.com/office/drawing/2014/main" id="{90E09D61-6895-46BC-8FAE-754525A0BCB8}"/>
-                </a:ext>
-              </a:extLst>
-            </p:cNvPr>
-            <p:cNvSpPr/>
-            <p:nvPr/>
-          </p:nvSpPr>
-          <p:spPr>
-            <a:xfrm rot="18366477">
-              <a:off x="5834148" y="4935144"/>
-              <a:ext cx="431075" cy="1060266"/>
-            </a:xfrm>
-            <a:prstGeom prst="upDownArrow">
-              <a:avLst/>
-            </a:prstGeom>
-            <a:solidFill>
-              <a:schemeClr val="accent1">
-                <a:lumMod val="20000"/>
-                <a:lumOff val="80000"/>
-              </a:schemeClr>
-            </a:solidFill>
-          </p:spPr>
-          <p:style>
-            <a:lnRef idx="2">
-              <a:schemeClr val="accent1">
-                <a:shade val="50000"/>
-              </a:schemeClr>
-            </a:lnRef>
-            <a:fillRef idx="1">
-              <a:schemeClr val="accent1"/>
-            </a:fillRef>
-            <a:effectRef idx="0">
-              <a:schemeClr val="accent1"/>
-            </a:effectRef>
-            <a:fontRef idx="minor">
-              <a:schemeClr val="lt1"/>
-            </a:fontRef>
-          </p:style>
-          <p:txBody>
-            <a:bodyPr rtlCol="0" anchor="ctr"/>
-            <a:lstStyle/>
-            <a:p>
-              <a:pPr algn="ctr"/>
-              <a:endParaRPr lang="en-US"/>
-            </a:p>
-          </p:txBody>
-        </p:sp>
-        <p:sp>
-          <p:nvSpPr>
-            <p:cNvPr id="33" name="화살표: 위쪽/아래쪽 32">
-              <a:extLst>
-                <a:ext uri="{FF2B5EF4-FFF2-40B4-BE49-F238E27FC236}">
-                  <a16:creationId xmlns:a16="http://schemas.microsoft.com/office/drawing/2014/main" id="{5E8E595B-B6C5-4DF1-9C4D-C23D2DADE200}"/>
-                </a:ext>
-              </a:extLst>
-            </p:cNvPr>
-            <p:cNvSpPr/>
-            <p:nvPr/>
-          </p:nvSpPr>
-          <p:spPr>
-            <a:xfrm rot="13606241">
-              <a:off x="5812721" y="2838154"/>
-              <a:ext cx="431075" cy="1060266"/>
-            </a:xfrm>
-            <a:prstGeom prst="upDownArrow">
-              <a:avLst/>
-            </a:prstGeom>
-            <a:solidFill>
-              <a:schemeClr val="accent1">
-                <a:lumMod val="20000"/>
-                <a:lumOff val="80000"/>
-              </a:schemeClr>
-            </a:solidFill>
-          </p:spPr>
-          <p:style>
-            <a:lnRef idx="2">
-              <a:schemeClr val="accent1">
-                <a:shade val="50000"/>
-              </a:schemeClr>
-            </a:lnRef>
-            <a:fillRef idx="1">
-              <a:schemeClr val="accent1"/>
-            </a:fillRef>
-            <a:effectRef idx="0">
-              <a:schemeClr val="accent1"/>
-            </a:effectRef>
-            <a:fontRef idx="minor">
-              <a:schemeClr val="lt1"/>
-            </a:fontRef>
-          </p:style>
-          <p:txBody>
-            <a:bodyPr rtlCol="0" anchor="ctr"/>
-            <a:lstStyle/>
-            <a:p>
-              <a:pPr algn="ctr"/>
-              <a:endParaRPr lang="en-US"/>
-            </a:p>
-          </p:txBody>
-        </p:sp>
-        <p:sp>
-          <p:nvSpPr>
-            <p:cNvPr id="34" name="화살표: 위쪽/아래쪽 33">
-              <a:extLst>
-                <a:ext uri="{FF2B5EF4-FFF2-40B4-BE49-F238E27FC236}">
-                  <a16:creationId xmlns:a16="http://schemas.microsoft.com/office/drawing/2014/main" id="{FA6DC64F-F213-4D41-B8A6-D06E1512A180}"/>
-                </a:ext>
-              </a:extLst>
-            </p:cNvPr>
-            <p:cNvSpPr/>
-            <p:nvPr/>
-          </p:nvSpPr>
-          <p:spPr>
-            <a:xfrm rot="19154619">
-              <a:off x="8839547" y="2844976"/>
-              <a:ext cx="431075" cy="1060266"/>
-            </a:xfrm>
-            <a:prstGeom prst="upDownArrow">
-              <a:avLst/>
-            </a:prstGeom>
-            <a:solidFill>
-              <a:srgbClr val="ABE9FF"/>
-            </a:solidFill>
-            <a:ln>
-              <a:solidFill>
-                <a:srgbClr val="00B0F0"/>
-              </a:solidFill>
-            </a:ln>
-          </p:spPr>
-          <p:style>
-            <a:lnRef idx="2">
-              <a:schemeClr val="accent1">
-                <a:shade val="50000"/>
-              </a:schemeClr>
-            </a:lnRef>
-            <a:fillRef idx="1">
-              <a:schemeClr val="accent1"/>
-            </a:fillRef>
-            <a:effectRef idx="0">
-              <a:schemeClr val="accent1"/>
-            </a:effectRef>
-            <a:fontRef idx="minor">
-              <a:schemeClr val="lt1"/>
-            </a:fontRef>
-          </p:style>
-          <p:txBody>
-            <a:bodyPr rtlCol="0" anchor="ctr"/>
-            <a:lstStyle/>
-            <a:p>
-              <a:pPr algn="ctr"/>
-              <a:endParaRPr lang="en-US"/>
-            </a:p>
-          </p:txBody>
-        </p:sp>
-        <p:sp>
-          <p:nvSpPr>
-            <p:cNvPr id="35" name="화살표: 위쪽/아래쪽 34">
-              <a:extLst>
-                <a:ext uri="{FF2B5EF4-FFF2-40B4-BE49-F238E27FC236}">
-                  <a16:creationId xmlns:a16="http://schemas.microsoft.com/office/drawing/2014/main" id="{1FE0818D-A7A3-4016-A056-8D16DF47633C}"/>
-                </a:ext>
-              </a:extLst>
-            </p:cNvPr>
-            <p:cNvSpPr/>
-            <p:nvPr/>
-          </p:nvSpPr>
-          <p:spPr>
-            <a:xfrm rot="2803581">
-              <a:off x="8774469" y="4882478"/>
-              <a:ext cx="431075" cy="1097280"/>
-            </a:xfrm>
-            <a:prstGeom prst="upDownArrow">
-              <a:avLst/>
-            </a:prstGeom>
-            <a:solidFill>
-              <a:schemeClr val="accent1">
-                <a:lumMod val="20000"/>
-                <a:lumOff val="80000"/>
-              </a:schemeClr>
-            </a:solidFill>
-          </p:spPr>
-          <p:style>
-            <a:lnRef idx="2">
-              <a:schemeClr val="accent1">
-                <a:shade val="50000"/>
-              </a:schemeClr>
-            </a:lnRef>
-            <a:fillRef idx="1">
-              <a:schemeClr val="accent1"/>
-            </a:fillRef>
-            <a:effectRef idx="0">
-              <a:schemeClr val="accent1"/>
-            </a:effectRef>
-            <a:fontRef idx="minor">
-              <a:schemeClr val="lt1"/>
-            </a:fontRef>
-          </p:style>
-          <p:txBody>
-            <a:bodyPr rtlCol="0" anchor="ctr"/>
-            <a:lstStyle/>
-            <a:p>
-              <a:pPr algn="ctr"/>
-              <a:endParaRPr lang="en-US"/>
-            </a:p>
-          </p:txBody>
-        </p:sp>
-        <p:sp>
-          <p:nvSpPr>
-            <p:cNvPr id="39" name="TextBox 38">
-              <a:extLst>
-                <a:ext uri="{FF2B5EF4-FFF2-40B4-BE49-F238E27FC236}">
-                  <a16:creationId xmlns:a16="http://schemas.microsoft.com/office/drawing/2014/main" id="{3E6CF412-FFC2-427A-8261-91C2D04D8B9D}"/>
-                </a:ext>
-              </a:extLst>
-            </p:cNvPr>
-            <p:cNvSpPr txBox="1"/>
-            <p:nvPr/>
-          </p:nvSpPr>
-          <p:spPr>
-            <a:xfrm>
-              <a:off x="3921559" y="4815599"/>
-              <a:ext cx="1360377" cy="369332"/>
-            </a:xfrm>
-            <a:prstGeom prst="rect">
-              <a:avLst/>
-            </a:prstGeom>
-            <a:noFill/>
-          </p:spPr>
-          <p:txBody>
-            <a:bodyPr wrap="square" rtlCol="0">
-              <a:spAutoFit/>
-            </a:bodyPr>
-            <a:lstStyle/>
-            <a:p>
-              <a:pPr algn="ctr"/>
-              <a:r>
-                <a:rPr lang="en-US" dirty="0"/>
-                <a:t>Server</a:t>
-              </a:r>
-            </a:p>
-          </p:txBody>
-        </p:sp>
-        <p:sp>
-          <p:nvSpPr>
-            <p:cNvPr id="40" name="TextBox 39">
-              <a:extLst>
-                <a:ext uri="{FF2B5EF4-FFF2-40B4-BE49-F238E27FC236}">
-                  <a16:creationId xmlns:a16="http://schemas.microsoft.com/office/drawing/2014/main" id="{6874408D-23CF-43E8-9BE5-254244E32661}"/>
-                </a:ext>
-              </a:extLst>
-            </p:cNvPr>
-            <p:cNvSpPr txBox="1"/>
-            <p:nvPr/>
-          </p:nvSpPr>
-          <p:spPr>
-            <a:xfrm>
-              <a:off x="6817435" y="4846722"/>
-              <a:ext cx="1360377" cy="369332"/>
-            </a:xfrm>
-            <a:prstGeom prst="rect">
-              <a:avLst/>
-            </a:prstGeom>
-            <a:noFill/>
-          </p:spPr>
-          <p:txBody>
-            <a:bodyPr wrap="square" rtlCol="0">
-              <a:spAutoFit/>
-            </a:bodyPr>
-            <a:lstStyle/>
-            <a:p>
-              <a:pPr algn="ctr"/>
-              <a:r>
-                <a:rPr lang="en-US" dirty="0"/>
-                <a:t>Email</a:t>
-              </a:r>
-            </a:p>
-          </p:txBody>
-        </p:sp>
-        <p:sp>
-          <p:nvSpPr>
-            <p:cNvPr id="41" name="TextBox 40">
-              <a:extLst>
-                <a:ext uri="{FF2B5EF4-FFF2-40B4-BE49-F238E27FC236}">
-                  <a16:creationId xmlns:a16="http://schemas.microsoft.com/office/drawing/2014/main" id="{85E415C8-BDAA-4B73-8BC3-10EB9A9729C9}"/>
-                </a:ext>
-              </a:extLst>
-            </p:cNvPr>
-            <p:cNvSpPr txBox="1"/>
-            <p:nvPr/>
-          </p:nvSpPr>
-          <p:spPr>
-            <a:xfrm>
-              <a:off x="6817435" y="6397228"/>
-              <a:ext cx="1360377" cy="369332"/>
-            </a:xfrm>
-            <a:prstGeom prst="rect">
-              <a:avLst/>
-            </a:prstGeom>
-            <a:noFill/>
-          </p:spPr>
-          <p:txBody>
-            <a:bodyPr wrap="square" rtlCol="0">
-              <a:spAutoFit/>
-            </a:bodyPr>
-            <a:lstStyle/>
-            <a:p>
-              <a:pPr algn="ctr"/>
-              <a:r>
-                <a:rPr lang="en-US" dirty="0"/>
-                <a:t>SMS</a:t>
-              </a:r>
-            </a:p>
-          </p:txBody>
-        </p:sp>
-        <p:sp>
-          <p:nvSpPr>
-            <p:cNvPr id="42" name="TextBox 41">
-              <a:extLst>
-                <a:ext uri="{FF2B5EF4-FFF2-40B4-BE49-F238E27FC236}">
-                  <a16:creationId xmlns:a16="http://schemas.microsoft.com/office/drawing/2014/main" id="{0BC2F17F-F8E2-48FF-832C-4AD8B9E972B2}"/>
-                </a:ext>
-              </a:extLst>
-            </p:cNvPr>
-            <p:cNvSpPr txBox="1"/>
-            <p:nvPr/>
-          </p:nvSpPr>
-          <p:spPr>
-            <a:xfrm>
-              <a:off x="1128916" y="4846722"/>
-              <a:ext cx="1360377" cy="369332"/>
-            </a:xfrm>
-            <a:prstGeom prst="rect">
-              <a:avLst/>
-            </a:prstGeom>
-            <a:noFill/>
-          </p:spPr>
-          <p:txBody>
-            <a:bodyPr wrap="square" rtlCol="0">
-              <a:spAutoFit/>
-            </a:bodyPr>
-            <a:lstStyle/>
-            <a:p>
-              <a:pPr algn="ctr"/>
-              <a:r>
-                <a:rPr lang="en-US" dirty="0"/>
-                <a:t>Developer</a:t>
-              </a:r>
-            </a:p>
-          </p:txBody>
-        </p:sp>
-        <p:pic>
-          <p:nvPicPr>
-            <p:cNvPr id="29" name="Picture 2" descr="https://images.vexels.com/media/users/3/128132/isolated/preview/fa3b9aad78a9db81459bd03294a0f985-flat-laptop-icon-by-vexels.png">
-              <a:extLst>
-                <a:ext uri="{FF2B5EF4-FFF2-40B4-BE49-F238E27FC236}">
-                  <a16:creationId xmlns:a16="http://schemas.microsoft.com/office/drawing/2014/main" id="{0CE503CF-0A0C-4BEC-88DB-A9E29DF9C0CF}"/>
-                </a:ext>
-              </a:extLst>
-            </p:cNvPr>
-            <p:cNvPicPr>
-              <a:picLocks noChangeAspect="1" noChangeArrowheads="1"/>
-            </p:cNvPicPr>
-            <p:nvPr/>
-          </p:nvPicPr>
-          <p:blipFill rotWithShape="1">
-            <a:blip r:embed="rId2">
-              <a:extLst>
-                <a:ext uri="{28A0092B-C50C-407E-A947-70E740481C1C}">
-                  <a14:useLocalDpi xmlns:a14="http://schemas.microsoft.com/office/drawing/2010/main" val="0"/>
-                </a:ext>
-              </a:extLst>
-            </a:blip>
-            <a:srcRect t="18951" b="16694"/>
-            <a:stretch/>
-          </p:blipFill>
-          <p:spPr bwMode="auto">
-            <a:xfrm>
-              <a:off x="9537213" y="3148630"/>
-              <a:ext cx="1678365" cy="1080093"/>
-            </a:xfrm>
-            <a:prstGeom prst="rect">
-              <a:avLst/>
-            </a:prstGeom>
-            <a:noFill/>
-            <a:extLst>
-              <a:ext uri="{909E8E84-426E-40DD-AFC4-6F175D3DCCD1}">
-                <a14:hiddenFill xmlns:a14="http://schemas.microsoft.com/office/drawing/2010/main">
-                  <a:solidFill>
-                    <a:srgbClr val="FFFFFF"/>
-                  </a:solidFill>
-                </a14:hiddenFill>
-              </a:ext>
-            </a:extLst>
-          </p:spPr>
-        </p:pic>
-        <p:pic>
-          <p:nvPicPr>
-            <p:cNvPr id="30" name="Picture 4" descr="Server PNG">
-              <a:extLst>
-                <a:ext uri="{FF2B5EF4-FFF2-40B4-BE49-F238E27FC236}">
-                  <a16:creationId xmlns:a16="http://schemas.microsoft.com/office/drawing/2014/main" id="{EE9BC298-BBE6-494A-BA44-6E2A68ED75F7}"/>
-                </a:ext>
-              </a:extLst>
-            </p:cNvPr>
-            <p:cNvPicPr>
-              <a:picLocks noChangeAspect="1" noChangeArrowheads="1"/>
-            </p:cNvPicPr>
-            <p:nvPr/>
-          </p:nvPicPr>
-          <p:blipFill>
-            <a:blip r:embed="rId3">
-              <a:extLst>
-                <a:ext uri="{28A0092B-C50C-407E-A947-70E740481C1C}">
-                  <a14:useLocalDpi xmlns:a14="http://schemas.microsoft.com/office/drawing/2010/main" val="0"/>
-                </a:ext>
-              </a:extLst>
-            </a:blip>
-            <a:srcRect/>
-            <a:stretch>
-              <a:fillRect/>
-            </a:stretch>
-          </p:blipFill>
-          <p:spPr bwMode="auto">
-            <a:xfrm flipH="1">
-              <a:off x="3956737" y="3007084"/>
-              <a:ext cx="829163" cy="1117973"/>
-            </a:xfrm>
-            <a:prstGeom prst="rect">
-              <a:avLst/>
-            </a:prstGeom>
-            <a:noFill/>
-            <a:extLst>
-              <a:ext uri="{909E8E84-426E-40DD-AFC4-6F175D3DCCD1}">
-                <a14:hiddenFill xmlns:a14="http://schemas.microsoft.com/office/drawing/2010/main">
-                  <a:solidFill>
-                    <a:srgbClr val="FFFFFF"/>
-                  </a:solidFill>
-                </a14:hiddenFill>
-              </a:ext>
-            </a:extLst>
-          </p:spPr>
-        </p:pic>
-        <p:pic>
-          <p:nvPicPr>
-            <p:cNvPr id="32" name="Picture 6" descr="Server PNG">
-              <a:extLst>
-                <a:ext uri="{FF2B5EF4-FFF2-40B4-BE49-F238E27FC236}">
-                  <a16:creationId xmlns:a16="http://schemas.microsoft.com/office/drawing/2014/main" id="{89754294-3A32-4050-BC9B-7620CBB63F6D}"/>
-                </a:ext>
-              </a:extLst>
-            </p:cNvPr>
-            <p:cNvPicPr>
-              <a:picLocks noChangeAspect="1" noChangeArrowheads="1"/>
-            </p:cNvPicPr>
-            <p:nvPr/>
-          </p:nvPicPr>
-          <p:blipFill>
-            <a:blip r:embed="rId4">
-              <a:extLst>
-                <a:ext uri="{28A0092B-C50C-407E-A947-70E740481C1C}">
-                  <a14:useLocalDpi xmlns:a14="http://schemas.microsoft.com/office/drawing/2010/main" val="0"/>
-                </a:ext>
-              </a:extLst>
-            </a:blip>
-            <a:srcRect/>
-            <a:stretch>
-              <a:fillRect/>
-            </a:stretch>
-          </p:blipFill>
-          <p:spPr bwMode="auto">
-            <a:xfrm flipH="1">
-              <a:off x="4563662" y="3211525"/>
-              <a:ext cx="875652" cy="875652"/>
-            </a:xfrm>
-            <a:prstGeom prst="rect">
-              <a:avLst/>
-            </a:prstGeom>
-            <a:noFill/>
-            <a:extLst>
-              <a:ext uri="{909E8E84-426E-40DD-AFC4-6F175D3DCCD1}">
-                <a14:hiddenFill xmlns:a14="http://schemas.microsoft.com/office/drawing/2010/main">
-                  <a:solidFill>
-                    <a:srgbClr val="FFFFFF"/>
-                  </a:solidFill>
-                </a14:hiddenFill>
-              </a:ext>
-            </a:extLst>
-          </p:spPr>
-        </p:pic>
-      </p:grpSp>
     </p:spTree>
     <p:extLst>
       <p:ext uri="{BB962C8B-B14F-4D97-AF65-F5344CB8AC3E}">
-        <p14:creationId xmlns:p14="http://schemas.microsoft.com/office/powerpoint/2010/main" val="1419189164"/>
+        <p14:creationId xmlns:p14="http://schemas.microsoft.com/office/powerpoint/2010/main" val="293807674"/>
       </p:ext>
     </p:extLst>
   </p:cSld>

--- a/2-2 Make Echo Bot.pptx
+++ b/2-2 Make Echo Bot.pptx
@@ -2171,7 +2171,15 @@
         <a:p>
           <a:r>
             <a:rPr lang="en-US" dirty="0"/>
-            <a:t>git push Heroku master</a:t>
+            <a:t>git push </a:t>
+          </a:r>
+          <a:r>
+            <a:rPr lang="en-US"/>
+            <a:t>heroku</a:t>
+          </a:r>
+          <a:r>
+            <a:rPr lang="en-US" dirty="0"/>
+            <a:t> master</a:t>
           </a:r>
         </a:p>
       </dgm:t>
@@ -3225,7 +3233,15 @@
           </a:pPr>
           <a:r>
             <a:rPr lang="en-US" sz="4000" kern="1200" dirty="0"/>
-            <a:t>git push Heroku master</a:t>
+            <a:t>git push </a:t>
+          </a:r>
+          <a:r>
+            <a:rPr lang="en-US" sz="4000" kern="1200"/>
+            <a:t>heroku</a:t>
+          </a:r>
+          <a:r>
+            <a:rPr lang="en-US" sz="4000" kern="1200" dirty="0"/>
+            <a:t> master</a:t>
           </a:r>
         </a:p>
       </dsp:txBody>
@@ -5722,7 +5738,7 @@
           <a:p>
             <a:fld id="{82604E9E-60DE-417E-849E-2CDE7F357628}" type="datetimeFigureOut">
               <a:rPr lang="en-US" smtClean="0"/>
-              <a:t>8/2/2017</a:t>
+              <a:t>8/4/2017</a:t>
             </a:fld>
             <a:endParaRPr lang="en-US"/>
           </a:p>
@@ -7147,7 +7163,7 @@
           <a:p>
             <a:fld id="{0D913C1F-5111-45C8-8646-4E60C4FCFD33}" type="datetime1">
               <a:rPr lang="en-US" smtClean="0"/>
-              <a:t>8/2/2017</a:t>
+              <a:t>8/4/2017</a:t>
             </a:fld>
             <a:endParaRPr lang="en-US"/>
           </a:p>
@@ -7322,7 +7338,7 @@
           <a:p>
             <a:fld id="{D3A57730-C926-45F0-9361-C8E6CC7EFAB1}" type="datetime1">
               <a:rPr lang="en-US" smtClean="0"/>
-              <a:t>8/2/2017</a:t>
+              <a:t>8/4/2017</a:t>
             </a:fld>
             <a:endParaRPr lang="en-US"/>
           </a:p>
@@ -7502,7 +7518,7 @@
           <a:p>
             <a:fld id="{72F94769-6EA4-484E-8E33-A5D2CCD7F3B4}" type="datetime1">
               <a:rPr lang="en-US" smtClean="0"/>
-              <a:t>8/2/2017</a:t>
+              <a:t>8/4/2017</a:t>
             </a:fld>
             <a:endParaRPr lang="en-US"/>
           </a:p>
@@ -7672,7 +7688,7 @@
           <a:p>
             <a:fld id="{875CDD8C-CF5A-4DB3-98F8-3A2639B39FE9}" type="datetime1">
               <a:rPr lang="en-US" smtClean="0"/>
-              <a:t>8/2/2017</a:t>
+              <a:t>8/4/2017</a:t>
             </a:fld>
             <a:endParaRPr lang="en-US"/>
           </a:p>
@@ -7940,7 +7956,7 @@
           <a:p>
             <a:fld id="{73567B6B-69B5-4721-8DDE-4EEC9B6DCE0D}" type="datetime1">
               <a:rPr lang="en-US" smtClean="0"/>
-              <a:t>8/2/2017</a:t>
+              <a:t>8/4/2017</a:t>
             </a:fld>
             <a:endParaRPr lang="en-US"/>
           </a:p>
@@ -8172,7 +8188,7 @@
           <a:p>
             <a:fld id="{98DD2B97-22CE-4922-9B75-1DD88489AFD6}" type="datetime1">
               <a:rPr lang="en-US" smtClean="0"/>
-              <a:t>8/2/2017</a:t>
+              <a:t>8/4/2017</a:t>
             </a:fld>
             <a:endParaRPr lang="en-US"/>
           </a:p>
@@ -8531,7 +8547,7 @@
           <a:p>
             <a:fld id="{71335CB9-B160-4C99-9B3C-64E62B2B8AA1}" type="datetime1">
               <a:rPr lang="en-US" smtClean="0"/>
-              <a:t>8/2/2017</a:t>
+              <a:t>8/4/2017</a:t>
             </a:fld>
             <a:endParaRPr lang="en-US"/>
           </a:p>
@@ -8672,7 +8688,7 @@
           <a:p>
             <a:fld id="{AB5FD2A9-980D-4792-8107-6837CF22CACC}" type="datetime1">
               <a:rPr lang="en-US" smtClean="0"/>
-              <a:t>8/2/2017</a:t>
+              <a:t>8/4/2017</a:t>
             </a:fld>
             <a:endParaRPr lang="en-US"/>
           </a:p>
@@ -8767,7 +8783,7 @@
           <a:p>
             <a:fld id="{AE49ADA3-5F6C-44F2-923F-B96DDB41268F}" type="datetime1">
               <a:rPr lang="en-US" smtClean="0"/>
-              <a:t>8/2/2017</a:t>
+              <a:t>8/4/2017</a:t>
             </a:fld>
             <a:endParaRPr lang="en-US"/>
           </a:p>
@@ -9124,7 +9140,7 @@
           <a:p>
             <a:fld id="{CD641920-CFA1-454E-AD47-3EEEB5605BD0}" type="datetime1">
               <a:rPr lang="en-US" smtClean="0"/>
-              <a:t>8/2/2017</a:t>
+              <a:t>8/4/2017</a:t>
             </a:fld>
             <a:endParaRPr lang="en-US"/>
           </a:p>
@@ -9481,7 +9497,7 @@
           <a:p>
             <a:fld id="{F3A5C466-8A77-4A43-A9E6-B875AC354BDD}" type="datetime1">
               <a:rPr lang="en-US" smtClean="0"/>
-              <a:t>8/2/2017</a:t>
+              <a:t>8/4/2017</a:t>
             </a:fld>
             <a:endParaRPr lang="en-US"/>
           </a:p>
@@ -9722,7 +9738,7 @@
           <a:p>
             <a:fld id="{8C1F079E-EE37-4F70-8A6F-71D0624FBE44}" type="datetime1">
               <a:rPr lang="en-US" smtClean="0"/>
-              <a:t>8/2/2017</a:t>
+              <a:t>8/4/2017</a:t>
             </a:fld>
             <a:endParaRPr lang="en-US"/>
           </a:p>
@@ -18597,7 +18613,7 @@
             <p:ph idx="1"/>
             <p:extLst>
               <p:ext uri="{D42A27DB-BD31-4B8C-83A1-F6EECF244321}">
-                <p14:modId xmlns:p14="http://schemas.microsoft.com/office/powerpoint/2010/main" val="1526134333"/>
+                <p14:modId xmlns:p14="http://schemas.microsoft.com/office/powerpoint/2010/main" val="96563690"/>
               </p:ext>
             </p:extLst>
           </p:nvPr>
